--- a/04 Basic Programming/04_Programming_UDFs_eval_tidyeval.pptx
+++ b/04 Basic Programming/04_Programming_UDFs_eval_tidyeval.pptx
@@ -5,7 +5,7 @@
     <p:sldMasterId id="2147483706" r:id="rId1"/>
   </p:sldMasterIdLst>
   <p:notesMasterIdLst>
-    <p:notesMasterId r:id="rId11"/>
+    <p:notesMasterId r:id="rId15"/>
   </p:notesMasterIdLst>
   <p:sldIdLst>
     <p:sldId id="256" r:id="rId2"/>
@@ -17,6 +17,10 @@
     <p:sldId id="561" r:id="rId8"/>
     <p:sldId id="486" r:id="rId9"/>
     <p:sldId id="484" r:id="rId10"/>
+    <p:sldId id="563" r:id="rId11"/>
+    <p:sldId id="565" r:id="rId12"/>
+    <p:sldId id="564" r:id="rId13"/>
+    <p:sldId id="562" r:id="rId14"/>
   </p:sldIdLst>
   <p:sldSz cx="9144000" cy="6858000" type="screen4x3"/>
   <p:notesSz cx="6858000" cy="9144000"/>
@@ -271,7 +275,7 @@
           <a:p>
             <a:fld id="{91907C35-CCAF-F946-8963-0B9E8E98E716}" type="datetimeFigureOut">
               <a:rPr lang="en-US" smtClean="0"/>
-              <a:t>11/25/18</a:t>
+              <a:t>11/27/18</a:t>
             </a:fld>
             <a:endParaRPr lang="en-US"/>
           </a:p>
@@ -5367,6 +5371,1904 @@
 </p:sld>
 </file>
 
+<file path=ppt/slides/slide10.xml><?xml version="1.0" encoding="utf-8"?>
+<p:sld xmlns:a="http://schemas.openxmlformats.org/drawingml/2006/main" xmlns:r="http://schemas.openxmlformats.org/officeDocument/2006/relationships" xmlns:p="http://schemas.openxmlformats.org/presentationml/2006/main">
+  <p:cSld>
+    <p:spTree>
+      <p:nvGrpSpPr>
+        <p:cNvPr id="1" name=""/>
+        <p:cNvGrpSpPr/>
+        <p:nvPr/>
+      </p:nvGrpSpPr>
+      <p:grpSpPr>
+        <a:xfrm>
+          <a:off x="0" y="0"/>
+          <a:ext cx="0" cy="0"/>
+          <a:chOff x="0" y="0"/>
+          <a:chExt cx="0" cy="0"/>
+        </a:xfrm>
+      </p:grpSpPr>
+      <p:sp>
+        <p:nvSpPr>
+          <p:cNvPr id="2" name="Title 1"/>
+          <p:cNvSpPr>
+            <a:spLocks noGrp="1"/>
+          </p:cNvSpPr>
+          <p:nvPr>
+            <p:ph type="title"/>
+          </p:nvPr>
+        </p:nvSpPr>
+        <p:spPr>
+          <a:xfrm>
+            <a:off x="0" y="76200"/>
+            <a:ext cx="9144000" cy="1143000"/>
+          </a:xfrm>
+        </p:spPr>
+        <p:txBody>
+          <a:bodyPr anchor="ctr">
+            <a:normAutofit/>
+          </a:bodyPr>
+          <a:lstStyle/>
+          <a:p>
+            <a:pPr algn="ctr"/>
+            <a:r>
+              <a:rPr lang="en-US" dirty="0">
+                <a:latin typeface="Arial Unicode MS" panose="020B0604020202020204" pitchFamily="34" charset="-128"/>
+                <a:ea typeface="Arial Unicode MS" panose="020B0604020202020204" pitchFamily="34" charset="-128"/>
+                <a:cs typeface="Arial Unicode MS" panose="020B0604020202020204" pitchFamily="34" charset="-128"/>
+              </a:rPr>
+              <a:t>Resources on `tidy evaluation` – cont.</a:t>
+            </a:r>
+            <a:endParaRPr lang="en-US" sz="3600" b="1" dirty="0">
+              <a:latin typeface="Arial Unicode MS" panose="020B0604020202020204" pitchFamily="34" charset="-128"/>
+              <a:ea typeface="Arial Unicode MS" panose="020B0604020202020204" pitchFamily="34" charset="-128"/>
+              <a:cs typeface="Arial Unicode MS" panose="020B0604020202020204" pitchFamily="34" charset="-128"/>
+            </a:endParaRPr>
+          </a:p>
+        </p:txBody>
+      </p:sp>
+      <p:sp>
+        <p:nvSpPr>
+          <p:cNvPr id="7" name="Text Placeholder 2"/>
+          <p:cNvSpPr txBox="1">
+            <a:spLocks/>
+          </p:cNvSpPr>
+          <p:nvPr/>
+        </p:nvSpPr>
+        <p:spPr>
+          <a:xfrm>
+            <a:off x="685800" y="1371600"/>
+            <a:ext cx="8458200" cy="5486400"/>
+          </a:xfrm>
+          <a:prstGeom prst="rect">
+            <a:avLst/>
+          </a:prstGeom>
+        </p:spPr>
+        <p:txBody>
+          <a:bodyPr>
+            <a:normAutofit fontScale="92500" lnSpcReduction="10000"/>
+          </a:bodyPr>
+          <a:lstStyle>
+            <a:lvl1pPr marL="365760" indent="-283464" algn="l" eaLnBrk="1" latinLnBrk="0" hangingPunct="1">
+              <a:lnSpc>
+                <a:spcPct val="100000"/>
+              </a:lnSpc>
+              <a:spcBef>
+                <a:spcPts val="600"/>
+              </a:spcBef>
+              <a:buClr>
+                <a:schemeClr val="accent1"/>
+              </a:buClr>
+              <a:buSzPct val="80000"/>
+              <a:buFont typeface="Wingdings 2"/>
+              <a:buChar char=""/>
+              <a:defRPr kumimoji="0" sz="3000">
+                <a:latin typeface="+mn-lt"/>
+              </a:defRPr>
+            </a:lvl1pPr>
+            <a:lvl2pPr marL="640080" lvl="1" indent="-237744" algn="l" eaLnBrk="1" latinLnBrk="0" hangingPunct="1">
+              <a:lnSpc>
+                <a:spcPct val="100000"/>
+              </a:lnSpc>
+              <a:spcBef>
+                <a:spcPts val="550"/>
+              </a:spcBef>
+              <a:buClr>
+                <a:schemeClr val="accent1"/>
+              </a:buClr>
+              <a:buFont typeface="Verdana"/>
+              <a:buChar char="◦"/>
+              <a:defRPr kumimoji="0" sz="2600">
+                <a:latin typeface="+mn-lt"/>
+              </a:defRPr>
+            </a:lvl2pPr>
+            <a:lvl3pPr marL="886968" indent="-228600" algn="l" eaLnBrk="1" latinLnBrk="0" hangingPunct="1">
+              <a:lnSpc>
+                <a:spcPct val="100000"/>
+              </a:lnSpc>
+              <a:buClr>
+                <a:schemeClr val="accent2"/>
+              </a:buClr>
+              <a:buFont typeface="Wingdings 2"/>
+              <a:buChar char=""/>
+              <a:defRPr kumimoji="0" sz="2400">
+                <a:latin typeface="+mn-lt"/>
+              </a:defRPr>
+            </a:lvl3pPr>
+            <a:lvl4pPr marL="1097280" indent="-173736" algn="l" eaLnBrk="1" latinLnBrk="0" hangingPunct="1">
+              <a:lnSpc>
+                <a:spcPct val="100000"/>
+              </a:lnSpc>
+              <a:buClr>
+                <a:schemeClr val="accent3"/>
+              </a:buClr>
+              <a:buFont typeface="Wingdings 2"/>
+              <a:buChar char=""/>
+              <a:defRPr kumimoji="0" sz="2000">
+                <a:latin typeface="+mn-lt"/>
+              </a:defRPr>
+            </a:lvl4pPr>
+            <a:lvl5pPr marL="1298448" indent="-182880" algn="l" eaLnBrk="1" latinLnBrk="0" hangingPunct="1">
+              <a:lnSpc>
+                <a:spcPct val="100000"/>
+              </a:lnSpc>
+              <a:buClr>
+                <a:schemeClr val="accent4"/>
+              </a:buClr>
+              <a:buFont typeface="Wingdings 2"/>
+              <a:buChar char=""/>
+              <a:defRPr kumimoji="0" sz="2000">
+                <a:latin typeface="+mn-lt"/>
+              </a:defRPr>
+            </a:lvl5pPr>
+            <a:lvl6pPr marL="1508760" indent="-182880">
+              <a:lnSpc>
+                <a:spcPct val="100000"/>
+              </a:lnSpc>
+              <a:spcBef>
+                <a:spcPct val="20000"/>
+              </a:spcBef>
+              <a:buClr>
+                <a:schemeClr val="accent5"/>
+              </a:buClr>
+              <a:buFont typeface="Wingdings 2"/>
+              <a:buChar char=""/>
+              <a:defRPr kumimoji="0" sz="2000">
+                <a:latin typeface="+mn-lt"/>
+              </a:defRPr>
+            </a:lvl6pPr>
+            <a:lvl7pPr marL="1719072" indent="-182880">
+              <a:lnSpc>
+                <a:spcPct val="100000"/>
+              </a:lnSpc>
+              <a:spcBef>
+                <a:spcPct val="20000"/>
+              </a:spcBef>
+              <a:buClr>
+                <a:schemeClr val="accent6"/>
+              </a:buClr>
+              <a:buFont typeface="Wingdings 2"/>
+              <a:buChar char=""/>
+              <a:defRPr kumimoji="0" sz="2000">
+                <a:latin typeface="+mn-lt"/>
+              </a:defRPr>
+            </a:lvl7pPr>
+            <a:lvl8pPr marL="1920240" indent="-182880">
+              <a:lnSpc>
+                <a:spcPct val="100000"/>
+              </a:lnSpc>
+              <a:spcBef>
+                <a:spcPct val="20000"/>
+              </a:spcBef>
+              <a:buClr>
+                <a:schemeClr val="accent6"/>
+              </a:buClr>
+              <a:buFont typeface="Wingdings 2"/>
+              <a:buChar char=""/>
+              <a:defRPr kumimoji="0" sz="2000">
+                <a:latin typeface="+mn-lt"/>
+              </a:defRPr>
+            </a:lvl8pPr>
+            <a:lvl9pPr marL="2130552" indent="-182880">
+              <a:lnSpc>
+                <a:spcPct val="100000"/>
+              </a:lnSpc>
+              <a:spcBef>
+                <a:spcPct val="20000"/>
+              </a:spcBef>
+              <a:buClr>
+                <a:schemeClr val="accent6"/>
+              </a:buClr>
+              <a:buFont typeface="Wingdings 2"/>
+              <a:buChar char=""/>
+              <a:defRPr kumimoji="0" sz="2000">
+                <a:latin typeface="+mn-lt"/>
+              </a:defRPr>
+            </a:lvl9pPr>
+            <a:extLst/>
+          </a:lstStyle>
+          <a:p>
+            <a:pPr>
+              <a:lnSpc>
+                <a:spcPct val="120000"/>
+              </a:lnSpc>
+            </a:pPr>
+            <a:r>
+              <a:rPr lang="ro-RO" sz="2800" dirty="0">
+                <a:latin typeface="Avenir Medium"/>
+              </a:rPr>
+              <a:t>Standard Non-Standard </a:t>
+            </a:r>
+            <a:r>
+              <a:rPr lang="ro-RO" sz="2800" dirty="0" err="1">
+                <a:latin typeface="Avenir Medium"/>
+              </a:rPr>
+              <a:t>Evaluation</a:t>
+            </a:r>
+            <a:r>
+              <a:rPr lang="ro-RO" sz="2800" dirty="0">
+                <a:latin typeface="Avenir Medium"/>
+              </a:rPr>
+              <a:t>: </a:t>
+            </a:r>
+            <a:r>
+              <a:rPr lang="ro-RO" sz="2800" dirty="0" err="1">
+                <a:latin typeface="Avenir Medium"/>
+              </a:rPr>
+              <a:t>Tidy</a:t>
+            </a:r>
+            <a:r>
+              <a:rPr lang="ro-RO" sz="2800" dirty="0">
+                <a:latin typeface="Avenir Medium"/>
+              </a:rPr>
+              <a:t> </a:t>
+            </a:r>
+            <a:r>
+              <a:rPr lang="ro-RO" sz="2800" dirty="0" err="1">
+                <a:latin typeface="Avenir Medium"/>
+              </a:rPr>
+              <a:t>Eval</a:t>
+            </a:r>
+            <a:endParaRPr lang="ro-RO" sz="2800" dirty="0">
+              <a:latin typeface="Avenir Medium"/>
+            </a:endParaRPr>
+          </a:p>
+          <a:p>
+            <a:pPr marL="82296" indent="0">
+              <a:lnSpc>
+                <a:spcPct val="120000"/>
+              </a:lnSpc>
+              <a:buNone/>
+            </a:pPr>
+            <a:r>
+              <a:rPr lang="ro-RO" sz="2200" dirty="0">
+                <a:latin typeface="Avenir Book" charset="0"/>
+                <a:hlinkClick r:id="rId2"/>
+              </a:rPr>
+              <a:t>https://timmastny.rbind.io/blog/nse-tidy-eval-dplyr-leadr/</a:t>
+            </a:r>
+            <a:endParaRPr lang="ro-RO" sz="2200" dirty="0">
+              <a:latin typeface="Avenir Book" charset="0"/>
+            </a:endParaRPr>
+          </a:p>
+          <a:p>
+            <a:pPr>
+              <a:lnSpc>
+                <a:spcPct val="120000"/>
+              </a:lnSpc>
+            </a:pPr>
+            <a:r>
+              <a:rPr lang="en-US" sz="2600" dirty="0" err="1">
+                <a:latin typeface="Avenir Medium"/>
+                <a:cs typeface="Avenir Medium"/>
+              </a:rPr>
+              <a:t>tidyeval</a:t>
+            </a:r>
+            <a:r>
+              <a:rPr lang="en-US" sz="2600" dirty="0">
+                <a:latin typeface="Avenir Medium"/>
+                <a:cs typeface="Avenir Medium"/>
+              </a:rPr>
+              <a:t> resource roundup</a:t>
+            </a:r>
+          </a:p>
+          <a:p>
+            <a:pPr marL="82296" indent="0">
+              <a:lnSpc>
+                <a:spcPct val="120000"/>
+              </a:lnSpc>
+              <a:buNone/>
+            </a:pPr>
+            <a:r>
+              <a:rPr lang="en-US" sz="2200" dirty="0">
+                <a:latin typeface="Avenir Medium"/>
+                <a:cs typeface="Avenir Medium"/>
+                <a:hlinkClick r:id="rId3"/>
+              </a:rPr>
+              <a:t>https://maraaverick.rbind.io/2017/08/tidyeval-resource-roundup/</a:t>
+            </a:r>
+            <a:endParaRPr lang="en-US" sz="2200" dirty="0">
+              <a:latin typeface="Avenir Medium"/>
+              <a:cs typeface="Avenir Medium"/>
+            </a:endParaRPr>
+          </a:p>
+          <a:p>
+            <a:pPr>
+              <a:lnSpc>
+                <a:spcPct val="120000"/>
+              </a:lnSpc>
+            </a:pPr>
+            <a:r>
+              <a:rPr lang="en" sz="2800" dirty="0">
+                <a:latin typeface="Avenir Medium"/>
+              </a:rPr>
+              <a:t>Programming with </a:t>
+            </a:r>
+            <a:r>
+              <a:rPr lang="en" sz="2800" dirty="0" err="1">
+                <a:latin typeface="Avenir Medium"/>
+              </a:rPr>
+              <a:t>dplyr</a:t>
+            </a:r>
+            <a:endParaRPr lang="en" sz="2800" dirty="0">
+              <a:latin typeface="Avenir Medium"/>
+            </a:endParaRPr>
+          </a:p>
+          <a:p>
+            <a:pPr marL="82296" indent="0">
+              <a:lnSpc>
+                <a:spcPct val="130000"/>
+              </a:lnSpc>
+              <a:buNone/>
+            </a:pPr>
+            <a:r>
+              <a:rPr lang="en" sz="2200" dirty="0">
+                <a:latin typeface="Avenir Book" charset="0"/>
+                <a:hlinkClick r:id="rId4"/>
+              </a:rPr>
+              <a:t>https://dplyr.tidyverse.org/articles/programming.html</a:t>
+            </a:r>
+            <a:endParaRPr lang="en-US" sz="2200" dirty="0">
+              <a:latin typeface="Avenir Medium"/>
+              <a:cs typeface="Avenir Medium"/>
+            </a:endParaRPr>
+          </a:p>
+          <a:p>
+            <a:pPr>
+              <a:lnSpc>
+                <a:spcPct val="120000"/>
+              </a:lnSpc>
+            </a:pPr>
+            <a:r>
+              <a:rPr lang="en-US" sz="2800" dirty="0">
+                <a:latin typeface="Avenir Medium"/>
+              </a:rPr>
+              <a:t>Programming with </a:t>
+            </a:r>
+            <a:r>
+              <a:rPr lang="en-US" sz="2800" dirty="0" err="1">
+                <a:latin typeface="Avenir Medium"/>
+              </a:rPr>
+              <a:t>dplyr</a:t>
+            </a:r>
+            <a:r>
+              <a:rPr lang="en-US" sz="2800" dirty="0">
+                <a:latin typeface="Avenir Medium"/>
+              </a:rPr>
+              <a:t> by using </a:t>
+            </a:r>
+            <a:r>
+              <a:rPr lang="en-US" sz="2800" dirty="0" err="1">
+                <a:latin typeface="Avenir Medium"/>
+              </a:rPr>
+              <a:t>dplyr</a:t>
+            </a:r>
+            <a:endParaRPr lang="en-US" sz="2800" dirty="0">
+              <a:latin typeface="Avenir Medium"/>
+            </a:endParaRPr>
+          </a:p>
+          <a:p>
+            <a:pPr marL="82296" indent="0">
+              <a:lnSpc>
+                <a:spcPct val="130000"/>
+              </a:lnSpc>
+              <a:buNone/>
+            </a:pPr>
+            <a:r>
+              <a:rPr lang="en-US" sz="2200" dirty="0">
+                <a:latin typeface="Avenir Book" charset="0"/>
+                <a:ea typeface="Avenir Book" charset="0"/>
+                <a:cs typeface="Avenir Book" charset="0"/>
+                <a:hlinkClick r:id="rId5"/>
+              </a:rPr>
+              <a:t>https://www.enchufa2.es/archives/programming-with-dplyr-by-using-dplyr.html</a:t>
+            </a:r>
+            <a:endParaRPr lang="en-US" sz="2200" dirty="0">
+              <a:latin typeface="Avenir Medium"/>
+              <a:cs typeface="Avenir Medium"/>
+            </a:endParaRPr>
+          </a:p>
+          <a:p>
+            <a:pPr>
+              <a:lnSpc>
+                <a:spcPct val="120000"/>
+              </a:lnSpc>
+            </a:pPr>
+            <a:r>
+              <a:rPr lang="en-US" sz="2800" dirty="0">
+                <a:latin typeface="Avenir Medium"/>
+              </a:rPr>
+              <a:t>Down the rabbit hole with tidy </a:t>
+            </a:r>
+            <a:r>
+              <a:rPr lang="en-US" sz="2800" dirty="0" err="1">
+                <a:latin typeface="Avenir Medium"/>
+              </a:rPr>
+              <a:t>eval</a:t>
+            </a:r>
+            <a:r>
+              <a:rPr lang="en-US" sz="2800" dirty="0">
+                <a:latin typeface="Avenir Medium"/>
+              </a:rPr>
+              <a:t> — Part 1</a:t>
+            </a:r>
+          </a:p>
+          <a:p>
+            <a:pPr marL="82296" indent="0">
+              <a:lnSpc>
+                <a:spcPct val="130000"/>
+              </a:lnSpc>
+              <a:buNone/>
+            </a:pPr>
+            <a:r>
+              <a:rPr lang="en-US" sz="3200" dirty="0">
+                <a:latin typeface="Avenir Book" charset="0"/>
+                <a:ea typeface="Avenir Book" charset="0"/>
+                <a:cs typeface="Avenir Book" charset="0"/>
+              </a:rPr>
+              <a:t> </a:t>
+            </a:r>
+            <a:r>
+              <a:rPr lang="en-US" sz="2200" dirty="0">
+                <a:latin typeface="Avenir Book" charset="0"/>
+                <a:ea typeface="Avenir Book" charset="0"/>
+                <a:cs typeface="Avenir Book" charset="0"/>
+                <a:hlinkClick r:id="rId6"/>
+              </a:rPr>
+              <a:t>http://colinfay.me/tidyeval-1/</a:t>
+            </a:r>
+            <a:endParaRPr lang="en-US" sz="2200" dirty="0">
+              <a:latin typeface="Avenir Medium"/>
+              <a:cs typeface="Avenir Medium"/>
+            </a:endParaRPr>
+          </a:p>
+          <a:p>
+            <a:pPr>
+              <a:lnSpc>
+                <a:spcPct val="120000"/>
+              </a:lnSpc>
+            </a:pPr>
+            <a:endParaRPr lang="en-US" sz="2600" dirty="0">
+              <a:latin typeface="Avenir Medium"/>
+              <a:cs typeface="Avenir Medium"/>
+            </a:endParaRPr>
+          </a:p>
+        </p:txBody>
+      </p:sp>
+    </p:spTree>
+    <p:extLst>
+      <p:ext uri="{BB962C8B-B14F-4D97-AF65-F5344CB8AC3E}">
+        <p14:creationId xmlns:p14="http://schemas.microsoft.com/office/powerpoint/2010/main" val="322120032"/>
+      </p:ext>
+    </p:extLst>
+  </p:cSld>
+  <p:clrMapOvr>
+    <a:masterClrMapping/>
+  </p:clrMapOvr>
+  <p:transition>
+    <p:random/>
+  </p:transition>
+</p:sld>
+</file>
+
+<file path=ppt/slides/slide11.xml><?xml version="1.0" encoding="utf-8"?>
+<p:sld xmlns:a="http://schemas.openxmlformats.org/drawingml/2006/main" xmlns:r="http://schemas.openxmlformats.org/officeDocument/2006/relationships" xmlns:p="http://schemas.openxmlformats.org/presentationml/2006/main">
+  <p:cSld>
+    <p:spTree>
+      <p:nvGrpSpPr>
+        <p:cNvPr id="1" name=""/>
+        <p:cNvGrpSpPr/>
+        <p:nvPr/>
+      </p:nvGrpSpPr>
+      <p:grpSpPr>
+        <a:xfrm>
+          <a:off x="0" y="0"/>
+          <a:ext cx="0" cy="0"/>
+          <a:chOff x="0" y="0"/>
+          <a:chExt cx="0" cy="0"/>
+        </a:xfrm>
+      </p:grpSpPr>
+      <p:sp>
+        <p:nvSpPr>
+          <p:cNvPr id="2" name="Title 1"/>
+          <p:cNvSpPr>
+            <a:spLocks noGrp="1"/>
+          </p:cNvSpPr>
+          <p:nvPr>
+            <p:ph type="title"/>
+          </p:nvPr>
+        </p:nvSpPr>
+        <p:spPr>
+          <a:xfrm>
+            <a:off x="0" y="76200"/>
+            <a:ext cx="9144000" cy="1143000"/>
+          </a:xfrm>
+        </p:spPr>
+        <p:txBody>
+          <a:bodyPr anchor="ctr">
+            <a:normAutofit/>
+          </a:bodyPr>
+          <a:lstStyle/>
+          <a:p>
+            <a:pPr algn="ctr"/>
+            <a:r>
+              <a:rPr lang="en-US" dirty="0">
+                <a:latin typeface="Arial Unicode MS" panose="020B0604020202020204" pitchFamily="34" charset="-128"/>
+                <a:ea typeface="Arial Unicode MS" panose="020B0604020202020204" pitchFamily="34" charset="-128"/>
+                <a:cs typeface="Arial Unicode MS" panose="020B0604020202020204" pitchFamily="34" charset="-128"/>
+              </a:rPr>
+              <a:t>Resources on `tidy evaluation` – cont.</a:t>
+            </a:r>
+            <a:endParaRPr lang="en-US" sz="3600" b="1" dirty="0">
+              <a:latin typeface="Arial Unicode MS" panose="020B0604020202020204" pitchFamily="34" charset="-128"/>
+              <a:ea typeface="Arial Unicode MS" panose="020B0604020202020204" pitchFamily="34" charset="-128"/>
+              <a:cs typeface="Arial Unicode MS" panose="020B0604020202020204" pitchFamily="34" charset="-128"/>
+            </a:endParaRPr>
+          </a:p>
+        </p:txBody>
+      </p:sp>
+      <p:sp>
+        <p:nvSpPr>
+          <p:cNvPr id="7" name="Text Placeholder 2"/>
+          <p:cNvSpPr txBox="1">
+            <a:spLocks/>
+          </p:cNvSpPr>
+          <p:nvPr/>
+        </p:nvSpPr>
+        <p:spPr>
+          <a:xfrm>
+            <a:off x="685800" y="1371600"/>
+            <a:ext cx="8458200" cy="5486400"/>
+          </a:xfrm>
+          <a:prstGeom prst="rect">
+            <a:avLst/>
+          </a:prstGeom>
+        </p:spPr>
+        <p:txBody>
+          <a:bodyPr>
+            <a:normAutofit lnSpcReduction="10000"/>
+          </a:bodyPr>
+          <a:lstStyle>
+            <a:lvl1pPr marL="365760" indent="-283464" algn="l" eaLnBrk="1" latinLnBrk="0" hangingPunct="1">
+              <a:lnSpc>
+                <a:spcPct val="100000"/>
+              </a:lnSpc>
+              <a:spcBef>
+                <a:spcPts val="600"/>
+              </a:spcBef>
+              <a:buClr>
+                <a:schemeClr val="accent1"/>
+              </a:buClr>
+              <a:buSzPct val="80000"/>
+              <a:buFont typeface="Wingdings 2"/>
+              <a:buChar char=""/>
+              <a:defRPr kumimoji="0" sz="3000">
+                <a:latin typeface="+mn-lt"/>
+              </a:defRPr>
+            </a:lvl1pPr>
+            <a:lvl2pPr marL="640080" lvl="1" indent="-237744" algn="l" eaLnBrk="1" latinLnBrk="0" hangingPunct="1">
+              <a:lnSpc>
+                <a:spcPct val="100000"/>
+              </a:lnSpc>
+              <a:spcBef>
+                <a:spcPts val="550"/>
+              </a:spcBef>
+              <a:buClr>
+                <a:schemeClr val="accent1"/>
+              </a:buClr>
+              <a:buFont typeface="Verdana"/>
+              <a:buChar char="◦"/>
+              <a:defRPr kumimoji="0" sz="2600">
+                <a:latin typeface="+mn-lt"/>
+              </a:defRPr>
+            </a:lvl2pPr>
+            <a:lvl3pPr marL="886968" indent="-228600" algn="l" eaLnBrk="1" latinLnBrk="0" hangingPunct="1">
+              <a:lnSpc>
+                <a:spcPct val="100000"/>
+              </a:lnSpc>
+              <a:buClr>
+                <a:schemeClr val="accent2"/>
+              </a:buClr>
+              <a:buFont typeface="Wingdings 2"/>
+              <a:buChar char=""/>
+              <a:defRPr kumimoji="0" sz="2400">
+                <a:latin typeface="+mn-lt"/>
+              </a:defRPr>
+            </a:lvl3pPr>
+            <a:lvl4pPr marL="1097280" indent="-173736" algn="l" eaLnBrk="1" latinLnBrk="0" hangingPunct="1">
+              <a:lnSpc>
+                <a:spcPct val="100000"/>
+              </a:lnSpc>
+              <a:buClr>
+                <a:schemeClr val="accent3"/>
+              </a:buClr>
+              <a:buFont typeface="Wingdings 2"/>
+              <a:buChar char=""/>
+              <a:defRPr kumimoji="0" sz="2000">
+                <a:latin typeface="+mn-lt"/>
+              </a:defRPr>
+            </a:lvl4pPr>
+            <a:lvl5pPr marL="1298448" indent="-182880" algn="l" eaLnBrk="1" latinLnBrk="0" hangingPunct="1">
+              <a:lnSpc>
+                <a:spcPct val="100000"/>
+              </a:lnSpc>
+              <a:buClr>
+                <a:schemeClr val="accent4"/>
+              </a:buClr>
+              <a:buFont typeface="Wingdings 2"/>
+              <a:buChar char=""/>
+              <a:defRPr kumimoji="0" sz="2000">
+                <a:latin typeface="+mn-lt"/>
+              </a:defRPr>
+            </a:lvl5pPr>
+            <a:lvl6pPr marL="1508760" indent="-182880">
+              <a:lnSpc>
+                <a:spcPct val="100000"/>
+              </a:lnSpc>
+              <a:spcBef>
+                <a:spcPct val="20000"/>
+              </a:spcBef>
+              <a:buClr>
+                <a:schemeClr val="accent5"/>
+              </a:buClr>
+              <a:buFont typeface="Wingdings 2"/>
+              <a:buChar char=""/>
+              <a:defRPr kumimoji="0" sz="2000">
+                <a:latin typeface="+mn-lt"/>
+              </a:defRPr>
+            </a:lvl6pPr>
+            <a:lvl7pPr marL="1719072" indent="-182880">
+              <a:lnSpc>
+                <a:spcPct val="100000"/>
+              </a:lnSpc>
+              <a:spcBef>
+                <a:spcPct val="20000"/>
+              </a:spcBef>
+              <a:buClr>
+                <a:schemeClr val="accent6"/>
+              </a:buClr>
+              <a:buFont typeface="Wingdings 2"/>
+              <a:buChar char=""/>
+              <a:defRPr kumimoji="0" sz="2000">
+                <a:latin typeface="+mn-lt"/>
+              </a:defRPr>
+            </a:lvl7pPr>
+            <a:lvl8pPr marL="1920240" indent="-182880">
+              <a:lnSpc>
+                <a:spcPct val="100000"/>
+              </a:lnSpc>
+              <a:spcBef>
+                <a:spcPct val="20000"/>
+              </a:spcBef>
+              <a:buClr>
+                <a:schemeClr val="accent6"/>
+              </a:buClr>
+              <a:buFont typeface="Wingdings 2"/>
+              <a:buChar char=""/>
+              <a:defRPr kumimoji="0" sz="2000">
+                <a:latin typeface="+mn-lt"/>
+              </a:defRPr>
+            </a:lvl8pPr>
+            <a:lvl9pPr marL="2130552" indent="-182880">
+              <a:lnSpc>
+                <a:spcPct val="100000"/>
+              </a:lnSpc>
+              <a:spcBef>
+                <a:spcPct val="20000"/>
+              </a:spcBef>
+              <a:buClr>
+                <a:schemeClr val="accent6"/>
+              </a:buClr>
+              <a:buFont typeface="Wingdings 2"/>
+              <a:buChar char=""/>
+              <a:defRPr kumimoji="0" sz="2000">
+                <a:latin typeface="+mn-lt"/>
+              </a:defRPr>
+            </a:lvl9pPr>
+            <a:extLst/>
+          </a:lstStyle>
+          <a:p>
+            <a:pPr>
+              <a:lnSpc>
+                <a:spcPct val="120000"/>
+              </a:lnSpc>
+            </a:pPr>
+            <a:r>
+              <a:rPr lang="en-US" sz="2800" dirty="0" err="1">
+                <a:latin typeface="Avenir Medium"/>
+              </a:rPr>
+              <a:t>dplyr</a:t>
+            </a:r>
+            <a:r>
+              <a:rPr lang="en-US" sz="2800" dirty="0">
+                <a:latin typeface="Avenir Medium"/>
+              </a:rPr>
+              <a:t> 0.7.0</a:t>
+            </a:r>
+          </a:p>
+          <a:p>
+            <a:pPr marL="82296" indent="0">
+              <a:lnSpc>
+                <a:spcPct val="130000"/>
+              </a:lnSpc>
+              <a:buNone/>
+            </a:pPr>
+            <a:r>
+              <a:rPr lang="en-US" sz="2400" dirty="0">
+                <a:latin typeface="Avenir Book" charset="0"/>
+                <a:ea typeface="Avenir Book" charset="0"/>
+                <a:cs typeface="Avenir Book" charset="0"/>
+                <a:hlinkClick r:id="rId2"/>
+              </a:rPr>
+              <a:t>https://blog.rstudio.com/2017/06/13/dplyr-0-7-0/</a:t>
+            </a:r>
+            <a:endParaRPr lang="en-US" sz="2400" dirty="0">
+              <a:latin typeface="Avenir Book" charset="0"/>
+              <a:ea typeface="Avenir Book" charset="0"/>
+              <a:cs typeface="Avenir Book" charset="0"/>
+            </a:endParaRPr>
+          </a:p>
+          <a:p>
+            <a:pPr>
+              <a:lnSpc>
+                <a:spcPct val="120000"/>
+              </a:lnSpc>
+            </a:pPr>
+            <a:r>
+              <a:rPr lang="en-US" sz="2800" dirty="0">
+                <a:latin typeface="Avenir Medium"/>
+              </a:rPr>
+              <a:t>Programming with </a:t>
+            </a:r>
+            <a:r>
+              <a:rPr lang="en-US" sz="2800" dirty="0" err="1">
+                <a:latin typeface="Avenir Medium"/>
+              </a:rPr>
+              <a:t>dplyr</a:t>
+            </a:r>
+            <a:r>
+              <a:rPr lang="en-US" sz="2800" dirty="0">
+                <a:latin typeface="Avenir Medium"/>
+              </a:rPr>
+              <a:t> </a:t>
+            </a:r>
+          </a:p>
+          <a:p>
+            <a:pPr marL="82296" indent="0">
+              <a:lnSpc>
+                <a:spcPct val="120000"/>
+              </a:lnSpc>
+              <a:buNone/>
+            </a:pPr>
+            <a:r>
+              <a:rPr lang="en-US" sz="2400" dirty="0">
+                <a:latin typeface="Avenir Book" charset="0"/>
+                <a:ea typeface="Avenir Book" charset="0"/>
+                <a:cs typeface="Avenir Book" charset="0"/>
+                <a:hlinkClick r:id="rId3"/>
+              </a:rPr>
+              <a:t>https://cran.r-project.org/web/packages/dplyr/vignettes/programming.html</a:t>
+            </a:r>
+            <a:endParaRPr lang="en-US" sz="2400" dirty="0">
+              <a:latin typeface="Avenir Book" charset="0"/>
+              <a:ea typeface="Avenir Book" charset="0"/>
+              <a:cs typeface="Avenir Book" charset="0"/>
+            </a:endParaRPr>
+          </a:p>
+          <a:p>
+            <a:pPr>
+              <a:lnSpc>
+                <a:spcPct val="120000"/>
+              </a:lnSpc>
+            </a:pPr>
+            <a:r>
+              <a:rPr lang="en-US" sz="2800" dirty="0">
+                <a:latin typeface="Avenir Medium"/>
+              </a:rPr>
+              <a:t>Programming with </a:t>
+            </a:r>
+            <a:r>
+              <a:rPr lang="en-US" sz="2800" dirty="0" err="1">
+                <a:latin typeface="Avenir Medium"/>
+              </a:rPr>
+              <a:t>dplyr</a:t>
+            </a:r>
+            <a:endParaRPr lang="en-US" sz="2800" dirty="0">
+              <a:latin typeface="Avenir Medium"/>
+            </a:endParaRPr>
+          </a:p>
+          <a:p>
+            <a:pPr marL="82296" indent="0">
+              <a:lnSpc>
+                <a:spcPct val="130000"/>
+              </a:lnSpc>
+              <a:buNone/>
+            </a:pPr>
+            <a:r>
+              <a:rPr lang="en-US" sz="2200" dirty="0">
+                <a:latin typeface="Avenir Book" charset="0"/>
+                <a:ea typeface="Avenir Book" charset="0"/>
+                <a:cs typeface="Avenir Book" charset="0"/>
+                <a:hlinkClick r:id="rId4"/>
+              </a:rPr>
+              <a:t>http://rpubs.com/lionel-/programming-draft</a:t>
+            </a:r>
+            <a:endParaRPr lang="en-US" sz="2200" dirty="0">
+              <a:latin typeface="Avenir Book" charset="0"/>
+              <a:ea typeface="Avenir Book" charset="0"/>
+              <a:cs typeface="Avenir Book" charset="0"/>
+            </a:endParaRPr>
+          </a:p>
+          <a:p>
+            <a:pPr>
+              <a:lnSpc>
+                <a:spcPct val="130000"/>
+              </a:lnSpc>
+            </a:pPr>
+            <a:r>
+              <a:rPr lang="en-US" sz="2800" dirty="0">
+                <a:latin typeface="Avenir Medium"/>
+              </a:rPr>
+              <a:t>Writing Custom </a:t>
+            </a:r>
+            <a:r>
+              <a:rPr lang="en-US" sz="2800" dirty="0" err="1">
+                <a:latin typeface="Avenir Medium"/>
+              </a:rPr>
+              <a:t>Tidyverse</a:t>
+            </a:r>
+            <a:r>
+              <a:rPr lang="en-US" sz="2800" dirty="0">
+                <a:latin typeface="Avenir Medium"/>
+              </a:rPr>
+              <a:t> Functions</a:t>
+            </a:r>
+          </a:p>
+          <a:p>
+            <a:pPr marL="82296" indent="0">
+              <a:lnSpc>
+                <a:spcPct val="140000"/>
+              </a:lnSpc>
+              <a:buNone/>
+            </a:pPr>
+            <a:r>
+              <a:rPr lang="en-US" sz="2200" dirty="0">
+                <a:latin typeface="Avenir Book" charset="0"/>
+                <a:ea typeface="Avenir Book" charset="0"/>
+                <a:cs typeface="Avenir Book" charset="0"/>
+                <a:hlinkClick r:id="rId5"/>
+              </a:rPr>
+              <a:t>http://jonthegeek.com/2018/06/04/writing-custom-tidyverse-functions/</a:t>
+            </a:r>
+            <a:endParaRPr lang="en-US" sz="2200" dirty="0">
+              <a:latin typeface="Avenir Book" charset="0"/>
+              <a:ea typeface="Avenir Book" charset="0"/>
+              <a:cs typeface="Avenir Book" charset="0"/>
+            </a:endParaRPr>
+          </a:p>
+          <a:p>
+            <a:pPr marL="82296" indent="0">
+              <a:lnSpc>
+                <a:spcPct val="140000"/>
+              </a:lnSpc>
+              <a:buNone/>
+            </a:pPr>
+            <a:endParaRPr lang="en-US" sz="2200" dirty="0">
+              <a:latin typeface="Avenir Book" charset="0"/>
+            </a:endParaRPr>
+          </a:p>
+          <a:p>
+            <a:pPr marL="82296" indent="0">
+              <a:lnSpc>
+                <a:spcPct val="140000"/>
+              </a:lnSpc>
+              <a:buNone/>
+            </a:pPr>
+            <a:endParaRPr lang="en-US" sz="2200" dirty="0">
+              <a:latin typeface="Avenir Book" charset="0"/>
+            </a:endParaRPr>
+          </a:p>
+          <a:p>
+            <a:pPr marL="82296" indent="0">
+              <a:lnSpc>
+                <a:spcPct val="130000"/>
+              </a:lnSpc>
+              <a:buNone/>
+            </a:pPr>
+            <a:endParaRPr lang="en-US" sz="2600" dirty="0">
+              <a:latin typeface="Avenir Book" charset="0"/>
+              <a:ea typeface="Avenir Book" charset="0"/>
+              <a:cs typeface="Avenir Book" charset="0"/>
+            </a:endParaRPr>
+          </a:p>
+        </p:txBody>
+      </p:sp>
+    </p:spTree>
+    <p:extLst>
+      <p:ext uri="{BB962C8B-B14F-4D97-AF65-F5344CB8AC3E}">
+        <p14:creationId xmlns:p14="http://schemas.microsoft.com/office/powerpoint/2010/main" val="641425732"/>
+      </p:ext>
+    </p:extLst>
+  </p:cSld>
+  <p:clrMapOvr>
+    <a:masterClrMapping/>
+  </p:clrMapOvr>
+  <p:transition>
+    <p:random/>
+  </p:transition>
+</p:sld>
+</file>
+
+<file path=ppt/slides/slide12.xml><?xml version="1.0" encoding="utf-8"?>
+<p:sld xmlns:a="http://schemas.openxmlformats.org/drawingml/2006/main" xmlns:r="http://schemas.openxmlformats.org/officeDocument/2006/relationships" xmlns:p="http://schemas.openxmlformats.org/presentationml/2006/main">
+  <p:cSld>
+    <p:spTree>
+      <p:nvGrpSpPr>
+        <p:cNvPr id="1" name=""/>
+        <p:cNvGrpSpPr/>
+        <p:nvPr/>
+      </p:nvGrpSpPr>
+      <p:grpSpPr>
+        <a:xfrm>
+          <a:off x="0" y="0"/>
+          <a:ext cx="0" cy="0"/>
+          <a:chOff x="0" y="0"/>
+          <a:chExt cx="0" cy="0"/>
+        </a:xfrm>
+      </p:grpSpPr>
+      <p:sp>
+        <p:nvSpPr>
+          <p:cNvPr id="2" name="Title 1"/>
+          <p:cNvSpPr>
+            <a:spLocks noGrp="1"/>
+          </p:cNvSpPr>
+          <p:nvPr>
+            <p:ph type="title"/>
+          </p:nvPr>
+        </p:nvSpPr>
+        <p:spPr>
+          <a:xfrm>
+            <a:off x="0" y="76200"/>
+            <a:ext cx="9144000" cy="1143000"/>
+          </a:xfrm>
+        </p:spPr>
+        <p:txBody>
+          <a:bodyPr anchor="ctr">
+            <a:normAutofit/>
+          </a:bodyPr>
+          <a:lstStyle/>
+          <a:p>
+            <a:pPr algn="ctr"/>
+            <a:r>
+              <a:rPr lang="en-US" dirty="0">
+                <a:latin typeface="Arial Unicode MS" panose="020B0604020202020204" pitchFamily="34" charset="-128"/>
+                <a:ea typeface="Arial Unicode MS" panose="020B0604020202020204" pitchFamily="34" charset="-128"/>
+                <a:cs typeface="Arial Unicode MS" panose="020B0604020202020204" pitchFamily="34" charset="-128"/>
+              </a:rPr>
+              <a:t>Resources on `tidy evaluation` in </a:t>
+            </a:r>
+            <a:r>
+              <a:rPr lang="en-US" i="1" dirty="0">
+                <a:latin typeface="Arial Unicode MS" panose="020B0604020202020204" pitchFamily="34" charset="-128"/>
+                <a:ea typeface="Arial Unicode MS" panose="020B0604020202020204" pitchFamily="34" charset="-128"/>
+                <a:cs typeface="Arial Unicode MS" panose="020B0604020202020204" pitchFamily="34" charset="-128"/>
+              </a:rPr>
+              <a:t>ggplot2</a:t>
+            </a:r>
+            <a:endParaRPr lang="en-US" sz="3600" i="1" dirty="0">
+              <a:latin typeface="Arial Unicode MS" panose="020B0604020202020204" pitchFamily="34" charset="-128"/>
+              <a:ea typeface="Arial Unicode MS" panose="020B0604020202020204" pitchFamily="34" charset="-128"/>
+              <a:cs typeface="Arial Unicode MS" panose="020B0604020202020204" pitchFamily="34" charset="-128"/>
+            </a:endParaRPr>
+          </a:p>
+        </p:txBody>
+      </p:sp>
+      <p:sp>
+        <p:nvSpPr>
+          <p:cNvPr id="7" name="Text Placeholder 2"/>
+          <p:cNvSpPr txBox="1">
+            <a:spLocks/>
+          </p:cNvSpPr>
+          <p:nvPr/>
+        </p:nvSpPr>
+        <p:spPr>
+          <a:xfrm>
+            <a:off x="685800" y="1066800"/>
+            <a:ext cx="8458200" cy="5791200"/>
+          </a:xfrm>
+          <a:prstGeom prst="rect">
+            <a:avLst/>
+          </a:prstGeom>
+        </p:spPr>
+        <p:txBody>
+          <a:bodyPr>
+            <a:normAutofit fontScale="62500" lnSpcReduction="20000"/>
+          </a:bodyPr>
+          <a:lstStyle>
+            <a:lvl1pPr marL="365760" indent="-283464" algn="l" eaLnBrk="1" latinLnBrk="0" hangingPunct="1">
+              <a:lnSpc>
+                <a:spcPct val="100000"/>
+              </a:lnSpc>
+              <a:spcBef>
+                <a:spcPts val="600"/>
+              </a:spcBef>
+              <a:buClr>
+                <a:schemeClr val="accent1"/>
+              </a:buClr>
+              <a:buSzPct val="80000"/>
+              <a:buFont typeface="Wingdings 2"/>
+              <a:buChar char=""/>
+              <a:defRPr kumimoji="0" sz="3000">
+                <a:latin typeface="+mn-lt"/>
+              </a:defRPr>
+            </a:lvl1pPr>
+            <a:lvl2pPr marL="640080" lvl="1" indent="-237744" algn="l" eaLnBrk="1" latinLnBrk="0" hangingPunct="1">
+              <a:lnSpc>
+                <a:spcPct val="100000"/>
+              </a:lnSpc>
+              <a:spcBef>
+                <a:spcPts val="550"/>
+              </a:spcBef>
+              <a:buClr>
+                <a:schemeClr val="accent1"/>
+              </a:buClr>
+              <a:buFont typeface="Verdana"/>
+              <a:buChar char="◦"/>
+              <a:defRPr kumimoji="0" sz="2600">
+                <a:latin typeface="+mn-lt"/>
+              </a:defRPr>
+            </a:lvl2pPr>
+            <a:lvl3pPr marL="886968" indent="-228600" algn="l" eaLnBrk="1" latinLnBrk="0" hangingPunct="1">
+              <a:lnSpc>
+                <a:spcPct val="100000"/>
+              </a:lnSpc>
+              <a:buClr>
+                <a:schemeClr val="accent2"/>
+              </a:buClr>
+              <a:buFont typeface="Wingdings 2"/>
+              <a:buChar char=""/>
+              <a:defRPr kumimoji="0" sz="2400">
+                <a:latin typeface="+mn-lt"/>
+              </a:defRPr>
+            </a:lvl3pPr>
+            <a:lvl4pPr marL="1097280" indent="-173736" algn="l" eaLnBrk="1" latinLnBrk="0" hangingPunct="1">
+              <a:lnSpc>
+                <a:spcPct val="100000"/>
+              </a:lnSpc>
+              <a:buClr>
+                <a:schemeClr val="accent3"/>
+              </a:buClr>
+              <a:buFont typeface="Wingdings 2"/>
+              <a:buChar char=""/>
+              <a:defRPr kumimoji="0" sz="2000">
+                <a:latin typeface="+mn-lt"/>
+              </a:defRPr>
+            </a:lvl4pPr>
+            <a:lvl5pPr marL="1298448" indent="-182880" algn="l" eaLnBrk="1" latinLnBrk="0" hangingPunct="1">
+              <a:lnSpc>
+                <a:spcPct val="100000"/>
+              </a:lnSpc>
+              <a:buClr>
+                <a:schemeClr val="accent4"/>
+              </a:buClr>
+              <a:buFont typeface="Wingdings 2"/>
+              <a:buChar char=""/>
+              <a:defRPr kumimoji="0" sz="2000">
+                <a:latin typeface="+mn-lt"/>
+              </a:defRPr>
+            </a:lvl5pPr>
+            <a:lvl6pPr marL="1508760" indent="-182880">
+              <a:lnSpc>
+                <a:spcPct val="100000"/>
+              </a:lnSpc>
+              <a:spcBef>
+                <a:spcPct val="20000"/>
+              </a:spcBef>
+              <a:buClr>
+                <a:schemeClr val="accent5"/>
+              </a:buClr>
+              <a:buFont typeface="Wingdings 2"/>
+              <a:buChar char=""/>
+              <a:defRPr kumimoji="0" sz="2000">
+                <a:latin typeface="+mn-lt"/>
+              </a:defRPr>
+            </a:lvl6pPr>
+            <a:lvl7pPr marL="1719072" indent="-182880">
+              <a:lnSpc>
+                <a:spcPct val="100000"/>
+              </a:lnSpc>
+              <a:spcBef>
+                <a:spcPct val="20000"/>
+              </a:spcBef>
+              <a:buClr>
+                <a:schemeClr val="accent6"/>
+              </a:buClr>
+              <a:buFont typeface="Wingdings 2"/>
+              <a:buChar char=""/>
+              <a:defRPr kumimoji="0" sz="2000">
+                <a:latin typeface="+mn-lt"/>
+              </a:defRPr>
+            </a:lvl7pPr>
+            <a:lvl8pPr marL="1920240" indent="-182880">
+              <a:lnSpc>
+                <a:spcPct val="100000"/>
+              </a:lnSpc>
+              <a:spcBef>
+                <a:spcPct val="20000"/>
+              </a:spcBef>
+              <a:buClr>
+                <a:schemeClr val="accent6"/>
+              </a:buClr>
+              <a:buFont typeface="Wingdings 2"/>
+              <a:buChar char=""/>
+              <a:defRPr kumimoji="0" sz="2000">
+                <a:latin typeface="+mn-lt"/>
+              </a:defRPr>
+            </a:lvl8pPr>
+            <a:lvl9pPr marL="2130552" indent="-182880">
+              <a:lnSpc>
+                <a:spcPct val="100000"/>
+              </a:lnSpc>
+              <a:spcBef>
+                <a:spcPct val="20000"/>
+              </a:spcBef>
+              <a:buClr>
+                <a:schemeClr val="accent6"/>
+              </a:buClr>
+              <a:buFont typeface="Wingdings 2"/>
+              <a:buChar char=""/>
+              <a:defRPr kumimoji="0" sz="2000">
+                <a:latin typeface="+mn-lt"/>
+              </a:defRPr>
+            </a:lvl9pPr>
+            <a:extLst/>
+          </a:lstStyle>
+          <a:p>
+            <a:pPr>
+              <a:lnSpc>
+                <a:spcPct val="120000"/>
+              </a:lnSpc>
+            </a:pPr>
+            <a:r>
+              <a:rPr lang="en" sz="2800" dirty="0">
+                <a:latin typeface="Avenir Medium"/>
+                <a:cs typeface="Avenir Medium"/>
+              </a:rPr>
+              <a:t>For references on ggplot2, please consult section `08` on GitHub:</a:t>
+            </a:r>
+          </a:p>
+          <a:p>
+            <a:pPr marL="82296" indent="0">
+              <a:lnSpc>
+                <a:spcPct val="120000"/>
+              </a:lnSpc>
+              <a:buNone/>
+            </a:pPr>
+            <a:r>
+              <a:rPr lang="ro-RO" sz="2800" dirty="0">
+                <a:latin typeface="Avenir Medium"/>
+                <a:cs typeface="Avenir Medium"/>
+                <a:hlinkClick r:id="rId2"/>
+              </a:rPr>
+              <a:t>https://github.com/marinfotache/Data-Processing-Analysis-Science-with-R/tree/master/08%20Data%20Visualization%20with%20-mostly-%20ggplot2</a:t>
+            </a:r>
+            <a:endParaRPr lang="en" sz="2800" dirty="0">
+              <a:latin typeface="Avenir Medium"/>
+              <a:cs typeface="Avenir Medium"/>
+            </a:endParaRPr>
+          </a:p>
+          <a:p>
+            <a:pPr>
+              <a:lnSpc>
+                <a:spcPct val="120000"/>
+              </a:lnSpc>
+            </a:pPr>
+            <a:r>
+              <a:rPr lang="en" sz="2800" dirty="0">
+                <a:latin typeface="Avenir Medium"/>
+                <a:cs typeface="Avenir Medium"/>
+              </a:rPr>
+              <a:t>Tidy </a:t>
+            </a:r>
+            <a:r>
+              <a:rPr lang="en" sz="2800" dirty="0" err="1">
+                <a:latin typeface="Avenir Medium"/>
+                <a:cs typeface="Avenir Medium"/>
+              </a:rPr>
+              <a:t>eval</a:t>
+            </a:r>
+            <a:r>
+              <a:rPr lang="en" sz="2800" dirty="0">
+                <a:latin typeface="Avenir Medium"/>
+                <a:cs typeface="Avenir Medium"/>
+              </a:rPr>
+              <a:t>: Programming with </a:t>
+            </a:r>
+            <a:r>
+              <a:rPr lang="en" sz="2800" dirty="0" err="1">
+                <a:latin typeface="Avenir Medium"/>
+                <a:cs typeface="Avenir Medium"/>
+              </a:rPr>
+              <a:t>dplyr</a:t>
+            </a:r>
+            <a:r>
+              <a:rPr lang="en" sz="2800" dirty="0">
+                <a:latin typeface="Avenir Medium"/>
+                <a:cs typeface="Avenir Medium"/>
+              </a:rPr>
+              <a:t>, </a:t>
+            </a:r>
+            <a:r>
+              <a:rPr lang="en" sz="2800" dirty="0" err="1">
+                <a:latin typeface="Avenir Medium"/>
+                <a:cs typeface="Avenir Medium"/>
+              </a:rPr>
+              <a:t>tidyr</a:t>
+            </a:r>
+            <a:r>
+              <a:rPr lang="en" sz="2800" dirty="0">
+                <a:latin typeface="Avenir Medium"/>
+                <a:cs typeface="Avenir Medium"/>
+              </a:rPr>
+              <a:t>, and ggplot2</a:t>
+            </a:r>
+          </a:p>
+          <a:p>
+            <a:pPr marL="82296" indent="0">
+              <a:lnSpc>
+                <a:spcPct val="120000"/>
+              </a:lnSpc>
+              <a:buNone/>
+            </a:pPr>
+            <a:r>
+              <a:rPr lang="en-US" sz="2800" dirty="0">
+                <a:latin typeface="Avenir Medium"/>
+                <a:cs typeface="Avenir Medium"/>
+                <a:hlinkClick r:id="rId3"/>
+              </a:rPr>
+              <a:t>https://www.rstudio.com/resources/videos/tidy-eval-programming-with-dplyr-tidyr-and-ggplot2/</a:t>
+            </a:r>
+            <a:endParaRPr lang="en-US" sz="2800" dirty="0">
+              <a:latin typeface="Avenir Medium"/>
+              <a:cs typeface="Avenir Medium"/>
+            </a:endParaRPr>
+          </a:p>
+          <a:p>
+            <a:pPr>
+              <a:lnSpc>
+                <a:spcPct val="120000"/>
+              </a:lnSpc>
+            </a:pPr>
+            <a:r>
+              <a:rPr lang="ro-RO" sz="2800" dirty="0" err="1">
+                <a:latin typeface="Avenir Medium"/>
+                <a:cs typeface="Avenir Medium"/>
+              </a:rPr>
+              <a:t>Tidy</a:t>
+            </a:r>
+            <a:r>
+              <a:rPr lang="ro-RO" sz="2800" dirty="0">
+                <a:latin typeface="Avenir Medium"/>
+                <a:cs typeface="Avenir Medium"/>
+              </a:rPr>
+              <a:t> </a:t>
+            </a:r>
+            <a:r>
+              <a:rPr lang="ro-RO" sz="2800" dirty="0" err="1">
+                <a:latin typeface="Avenir Medium"/>
+                <a:cs typeface="Avenir Medium"/>
+              </a:rPr>
+              <a:t>evaluation</a:t>
+            </a:r>
+            <a:r>
+              <a:rPr lang="ro-RO" sz="2800" dirty="0">
+                <a:latin typeface="Avenir Medium"/>
+                <a:cs typeface="Avenir Medium"/>
+              </a:rPr>
+              <a:t> in ggplot2</a:t>
+            </a:r>
+          </a:p>
+          <a:p>
+            <a:pPr marL="82296" indent="0">
+              <a:lnSpc>
+                <a:spcPct val="120000"/>
+              </a:lnSpc>
+              <a:buNone/>
+            </a:pPr>
+            <a:r>
+              <a:rPr lang="ro-RO" sz="2800" dirty="0">
+                <a:latin typeface="Avenir Medium"/>
+                <a:cs typeface="Avenir Medium"/>
+                <a:hlinkClick r:id="rId4"/>
+              </a:rPr>
+              <a:t>https://www.tidyverse.org/articles/2018/07/ggplot2-tidy-evaluation/</a:t>
+            </a:r>
+            <a:endParaRPr lang="en" sz="2800" dirty="0">
+              <a:latin typeface="Avenir Medium"/>
+              <a:cs typeface="Avenir Medium"/>
+            </a:endParaRPr>
+          </a:p>
+          <a:p>
+            <a:pPr>
+              <a:lnSpc>
+                <a:spcPct val="120000"/>
+              </a:lnSpc>
+            </a:pPr>
+            <a:r>
+              <a:rPr lang="en" sz="2800" dirty="0">
+                <a:latin typeface="Avenir Medium"/>
+                <a:cs typeface="Avenir Medium"/>
+              </a:rPr>
+              <a:t>ggplot2 Version 3.0.0 Brings Tidy Evaluation to </a:t>
+            </a:r>
+            <a:r>
+              <a:rPr lang="en" sz="2800" dirty="0" err="1">
+                <a:latin typeface="Avenir Medium"/>
+                <a:cs typeface="Avenir Medium"/>
+              </a:rPr>
+              <a:t>ggplot</a:t>
+            </a:r>
+            <a:endParaRPr lang="en" sz="2800" dirty="0">
+              <a:latin typeface="Avenir Medium"/>
+              <a:cs typeface="Avenir Medium"/>
+            </a:endParaRPr>
+          </a:p>
+          <a:p>
+            <a:pPr marL="82296" indent="0">
+              <a:lnSpc>
+                <a:spcPct val="120000"/>
+              </a:lnSpc>
+              <a:buNone/>
+            </a:pPr>
+            <a:r>
+              <a:rPr lang="en-US" sz="2800" dirty="0">
+                <a:latin typeface="Avenir Medium"/>
+                <a:cs typeface="Avenir Medium"/>
+                <a:hlinkClick r:id="rId5"/>
+              </a:rPr>
+              <a:t>https://cmdlinetips.com/2018/07/ggplot2-version-3-0-0-brings-tidy-evaluation-to-ggplot/</a:t>
+            </a:r>
+            <a:endParaRPr lang="en-US" sz="2800" dirty="0">
+              <a:latin typeface="Avenir Medium"/>
+              <a:cs typeface="Avenir Medium"/>
+            </a:endParaRPr>
+          </a:p>
+          <a:p>
+            <a:pPr>
+              <a:lnSpc>
+                <a:spcPct val="120000"/>
+              </a:lnSpc>
+            </a:pPr>
+            <a:r>
+              <a:rPr lang="en-US" sz="2800" dirty="0">
+                <a:latin typeface="Avenir Medium"/>
+                <a:cs typeface="Avenir Medium"/>
+              </a:rPr>
+              <a:t>Tidily evaluated ggplot2</a:t>
+            </a:r>
+          </a:p>
+          <a:p>
+            <a:pPr marL="82296" indent="0">
+              <a:lnSpc>
+                <a:spcPct val="130000"/>
+              </a:lnSpc>
+              <a:buNone/>
+            </a:pPr>
+            <a:r>
+              <a:rPr lang="en-US" sz="2800" dirty="0">
+                <a:latin typeface="Avenir Book" charset="0"/>
+                <a:ea typeface="Avenir Book" charset="0"/>
+                <a:cs typeface="Avenir Book" charset="0"/>
+              </a:rPr>
+              <a:t> </a:t>
+            </a:r>
+            <a:r>
+              <a:rPr lang="en-US" sz="2800" dirty="0">
+                <a:latin typeface="Avenir Book" charset="0"/>
+                <a:ea typeface="Avenir Book" charset="0"/>
+                <a:cs typeface="Avenir Book" charset="0"/>
+                <a:hlinkClick r:id="rId6"/>
+              </a:rPr>
+              <a:t>https://www.johnmackintosh.com/2018-07-04-tidily-evaluated-ggplot2/</a:t>
+            </a:r>
+            <a:endParaRPr lang="en-US" dirty="0">
+              <a:latin typeface="Avenir Medium"/>
+              <a:cs typeface="Avenir Medium"/>
+            </a:endParaRPr>
+          </a:p>
+          <a:p>
+            <a:pPr>
+              <a:lnSpc>
+                <a:spcPct val="120000"/>
+              </a:lnSpc>
+            </a:pPr>
+            <a:r>
+              <a:rPr lang="en" sz="3200" dirty="0">
+                <a:latin typeface="Avenir Medium"/>
+                <a:cs typeface="Avenir Medium"/>
+              </a:rPr>
+              <a:t>More tidy evaluation with ggplot2</a:t>
+            </a:r>
+            <a:endParaRPr lang="en-US" sz="3200" dirty="0">
+              <a:latin typeface="Avenir Medium"/>
+              <a:cs typeface="Avenir Medium"/>
+            </a:endParaRPr>
+          </a:p>
+          <a:p>
+            <a:pPr marL="82296" indent="0">
+              <a:lnSpc>
+                <a:spcPct val="130000"/>
+              </a:lnSpc>
+              <a:buNone/>
+            </a:pPr>
+            <a:r>
+              <a:rPr lang="en-US" sz="3200" dirty="0">
+                <a:latin typeface="Avenir Book" charset="0"/>
+                <a:ea typeface="Avenir Book" charset="0"/>
+                <a:cs typeface="Avenir Book" charset="0"/>
+              </a:rPr>
+              <a:t> </a:t>
+            </a:r>
+            <a:r>
+              <a:rPr lang="en-US" sz="3200" dirty="0">
+                <a:latin typeface="Avenir Book" charset="0"/>
+                <a:ea typeface="Avenir Book" charset="0"/>
+                <a:cs typeface="Avenir Book" charset="0"/>
+                <a:hlinkClick r:id="rId7"/>
+              </a:rPr>
+              <a:t>https://www.johnmackintosh.com/2018-07-04-more-tidy-evaluation-with-ggplot2/</a:t>
+            </a:r>
+            <a:endParaRPr lang="en-US" sz="3200" dirty="0">
+              <a:latin typeface="Avenir Book" charset="0"/>
+              <a:ea typeface="Avenir Book" charset="0"/>
+              <a:cs typeface="Avenir Book" charset="0"/>
+            </a:endParaRPr>
+          </a:p>
+        </p:txBody>
+      </p:sp>
+    </p:spTree>
+    <p:extLst>
+      <p:ext uri="{BB962C8B-B14F-4D97-AF65-F5344CB8AC3E}">
+        <p14:creationId xmlns:p14="http://schemas.microsoft.com/office/powerpoint/2010/main" val="131450013"/>
+      </p:ext>
+    </p:extLst>
+  </p:cSld>
+  <p:clrMapOvr>
+    <a:masterClrMapping/>
+  </p:clrMapOvr>
+  <p:transition>
+    <p:random/>
+  </p:transition>
+</p:sld>
+</file>
+
+<file path=ppt/slides/slide13.xml><?xml version="1.0" encoding="utf-8"?>
+<p:sld xmlns:a="http://schemas.openxmlformats.org/drawingml/2006/main" xmlns:r="http://schemas.openxmlformats.org/officeDocument/2006/relationships" xmlns:p="http://schemas.openxmlformats.org/presentationml/2006/main">
+  <p:cSld>
+    <p:spTree>
+      <p:nvGrpSpPr>
+        <p:cNvPr id="1" name=""/>
+        <p:cNvGrpSpPr/>
+        <p:nvPr/>
+      </p:nvGrpSpPr>
+      <p:grpSpPr>
+        <a:xfrm>
+          <a:off x="0" y="0"/>
+          <a:ext cx="0" cy="0"/>
+          <a:chOff x="0" y="0"/>
+          <a:chExt cx="0" cy="0"/>
+        </a:xfrm>
+      </p:grpSpPr>
+      <p:sp>
+        <p:nvSpPr>
+          <p:cNvPr id="2" name="Title 1"/>
+          <p:cNvSpPr>
+            <a:spLocks noGrp="1"/>
+          </p:cNvSpPr>
+          <p:nvPr>
+            <p:ph type="title"/>
+          </p:nvPr>
+        </p:nvSpPr>
+        <p:spPr>
+          <a:xfrm>
+            <a:off x="228600" y="76200"/>
+            <a:ext cx="8686800" cy="1143000"/>
+          </a:xfrm>
+        </p:spPr>
+        <p:txBody>
+          <a:bodyPr anchor="ctr">
+            <a:normAutofit/>
+          </a:bodyPr>
+          <a:lstStyle/>
+          <a:p>
+            <a:pPr algn="ctr"/>
+            <a:r>
+              <a:rPr lang="ro-RO" sz="3600" dirty="0">
+                <a:latin typeface="Arial Unicode MS" panose="020B0604020202020204" pitchFamily="34" charset="-128"/>
+                <a:ea typeface="Arial Unicode MS" panose="020B0604020202020204" pitchFamily="34" charset="-128"/>
+                <a:cs typeface="Arial Unicode MS" panose="020B0604020202020204" pitchFamily="34" charset="-128"/>
+              </a:rPr>
+              <a:t>Script </a:t>
+            </a:r>
+            <a:r>
+              <a:rPr lang="en" i="1" dirty="0">
+                <a:latin typeface="Arial Unicode MS" panose="020B0604020202020204" pitchFamily="34" charset="-128"/>
+                <a:ea typeface="Arial Unicode MS" panose="020B0604020202020204" pitchFamily="34" charset="-128"/>
+                <a:cs typeface="Arial Unicode MS" panose="020B0604020202020204" pitchFamily="34" charset="-128"/>
+              </a:rPr>
+              <a:t>04d_evaluation__tidy_evaluation.R</a:t>
+            </a:r>
+            <a:endParaRPr lang="en-US" sz="3600" i="1" dirty="0">
+              <a:latin typeface="Arial Unicode MS" panose="020B0604020202020204" pitchFamily="34" charset="-128"/>
+              <a:ea typeface="Arial Unicode MS" panose="020B0604020202020204" pitchFamily="34" charset="-128"/>
+              <a:cs typeface="Arial Unicode MS" panose="020B0604020202020204" pitchFamily="34" charset="-128"/>
+            </a:endParaRPr>
+          </a:p>
+        </p:txBody>
+      </p:sp>
+      <p:sp>
+        <p:nvSpPr>
+          <p:cNvPr id="3" name="Content Placeholder 2"/>
+          <p:cNvSpPr>
+            <a:spLocks noGrp="1"/>
+          </p:cNvSpPr>
+          <p:nvPr>
+            <p:ph idx="1"/>
+          </p:nvPr>
+        </p:nvSpPr>
+        <p:spPr>
+          <a:xfrm>
+            <a:off x="838200" y="1295400"/>
+            <a:ext cx="8305800" cy="5486400"/>
+          </a:xfrm>
+        </p:spPr>
+        <p:txBody>
+          <a:bodyPr>
+            <a:normAutofit fontScale="62500" lnSpcReduction="20000"/>
+          </a:bodyPr>
+          <a:lstStyle/>
+          <a:p>
+            <a:r>
+              <a:rPr lang="ro-RO" sz="3000" dirty="0" err="1">
+                <a:latin typeface="Avenir Medium"/>
+                <a:cs typeface="Avenir Medium"/>
+              </a:rPr>
+              <a:t>Available</a:t>
+            </a:r>
+            <a:r>
+              <a:rPr lang="ro-RO" sz="3000" dirty="0">
+                <a:latin typeface="Avenir Medium"/>
+                <a:cs typeface="Avenir Medium"/>
+              </a:rPr>
+              <a:t> on </a:t>
+            </a:r>
+            <a:r>
+              <a:rPr lang="ro-RO" sz="3000" dirty="0" err="1">
+                <a:latin typeface="Avenir Medium"/>
+                <a:cs typeface="Avenir Medium"/>
+              </a:rPr>
+              <a:t>GitHub</a:t>
+            </a:r>
+            <a:r>
+              <a:rPr lang="ro-RO" sz="3000" dirty="0">
+                <a:latin typeface="Avenir Medium"/>
+                <a:cs typeface="Avenir Medium"/>
+              </a:rPr>
+              <a:t>:</a:t>
+            </a:r>
+          </a:p>
+          <a:p>
+            <a:pPr marL="82296" indent="0">
+              <a:buNone/>
+            </a:pPr>
+            <a:r>
+              <a:rPr lang="ro-RO" sz="3000" dirty="0">
+                <a:cs typeface="Avenir Medium"/>
+                <a:hlinkClick r:id="rId2"/>
+              </a:rPr>
+              <a:t>https://github.com/marinfotache/Data-Processing-Analysis-Science-with-R/blob/master/04%20Basic%20Programming/04a_prog__basic_structures.R</a:t>
+            </a:r>
+            <a:endParaRPr lang="ro-RO" sz="3000" dirty="0">
+              <a:cs typeface="Avenir Medium"/>
+            </a:endParaRPr>
+          </a:p>
+          <a:p>
+            <a:endParaRPr lang="ro-RO" sz="3000" dirty="0">
+              <a:latin typeface="Avenir Medium"/>
+              <a:cs typeface="Avenir Medium"/>
+            </a:endParaRPr>
+          </a:p>
+          <a:p>
+            <a:r>
+              <a:rPr lang="en" sz="3000" dirty="0">
+                <a:cs typeface="Avenir Medium"/>
+              </a:rPr>
+              <a:t>`assign` function</a:t>
+            </a:r>
+          </a:p>
+          <a:p>
+            <a:r>
+              <a:rPr lang="en" sz="3000" dirty="0">
+                <a:cs typeface="Avenir Medium"/>
+              </a:rPr>
+              <a:t>`get` function</a:t>
+            </a:r>
+          </a:p>
+          <a:p>
+            <a:r>
+              <a:rPr lang="en" sz="3000" dirty="0">
+                <a:cs typeface="Avenir Medium"/>
+              </a:rPr>
+              <a:t>dynamic groups in `</a:t>
+            </a:r>
+            <a:r>
+              <a:rPr lang="en" sz="3000" dirty="0" err="1">
+                <a:cs typeface="Avenir Medium"/>
+              </a:rPr>
+              <a:t>dplyr</a:t>
+            </a:r>
+            <a:r>
+              <a:rPr lang="en" sz="3000" dirty="0">
+                <a:cs typeface="Avenir Medium"/>
+              </a:rPr>
+              <a:t>`</a:t>
+            </a:r>
+          </a:p>
+          <a:p>
+            <a:r>
+              <a:rPr lang="en" sz="3000" dirty="0" err="1">
+                <a:cs typeface="Avenir Medium"/>
+              </a:rPr>
+              <a:t>quosures</a:t>
+            </a:r>
+            <a:endParaRPr lang="en" sz="3000" dirty="0">
+              <a:cs typeface="Avenir Medium"/>
+            </a:endParaRPr>
+          </a:p>
+          <a:p>
+            <a:pPr lvl="1"/>
+            <a:r>
+              <a:rPr lang="ro-RO" sz="2600" dirty="0" err="1">
+                <a:cs typeface="Avenir Medium"/>
+              </a:rPr>
+              <a:t>function</a:t>
+            </a:r>
+            <a:r>
+              <a:rPr lang="ro-RO" sz="2600" dirty="0">
+                <a:cs typeface="Avenir Medium"/>
+              </a:rPr>
+              <a:t> `quo`</a:t>
+            </a:r>
+          </a:p>
+          <a:p>
+            <a:pPr lvl="1"/>
+            <a:r>
+              <a:rPr lang="ro-RO" sz="2600" dirty="0">
+                <a:cs typeface="Avenir Medium"/>
+              </a:rPr>
+              <a:t>operator `!!`</a:t>
+            </a:r>
+          </a:p>
+          <a:p>
+            <a:pPr lvl="1"/>
+            <a:r>
+              <a:rPr lang="ro-RO" sz="2600" dirty="0" err="1">
+                <a:cs typeface="Avenir Medium"/>
+              </a:rPr>
+              <a:t>function</a:t>
+            </a:r>
+            <a:r>
+              <a:rPr lang="ro-RO" sz="2600" dirty="0">
+                <a:cs typeface="Avenir Medium"/>
+              </a:rPr>
+              <a:t> `</a:t>
+            </a:r>
+            <a:r>
+              <a:rPr lang="ro-RO" sz="2600" dirty="0" err="1">
+                <a:cs typeface="Avenir Medium"/>
+              </a:rPr>
+              <a:t>rlang</a:t>
+            </a:r>
+            <a:r>
+              <a:rPr lang="ro-RO" sz="2600" dirty="0">
+                <a:cs typeface="Avenir Medium"/>
+              </a:rPr>
+              <a:t>::</a:t>
+            </a:r>
+            <a:r>
+              <a:rPr lang="ro-RO" sz="2600" dirty="0" err="1">
+                <a:cs typeface="Avenir Medium"/>
+              </a:rPr>
+              <a:t>sym</a:t>
+            </a:r>
+            <a:r>
+              <a:rPr lang="ro-RO" sz="2600" dirty="0">
+                <a:cs typeface="Avenir Medium"/>
+              </a:rPr>
+              <a:t>`</a:t>
+            </a:r>
+          </a:p>
+          <a:p>
+            <a:pPr lvl="1"/>
+            <a:r>
+              <a:rPr lang="ro-RO" sz="2600" dirty="0" err="1">
+                <a:cs typeface="Avenir Medium"/>
+              </a:rPr>
+              <a:t>function</a:t>
+            </a:r>
+            <a:r>
+              <a:rPr lang="ro-RO" sz="2600" dirty="0">
+                <a:cs typeface="Avenir Medium"/>
+              </a:rPr>
+              <a:t> `</a:t>
+            </a:r>
+            <a:r>
+              <a:rPr lang="ro-RO" sz="2600" dirty="0" err="1">
+                <a:cs typeface="Avenir Medium"/>
+              </a:rPr>
+              <a:t>enquo</a:t>
+            </a:r>
+            <a:r>
+              <a:rPr lang="ro-RO" sz="2600" dirty="0">
+                <a:cs typeface="Avenir Medium"/>
+              </a:rPr>
+              <a:t>`</a:t>
+            </a:r>
+          </a:p>
+          <a:p>
+            <a:pPr lvl="1"/>
+            <a:r>
+              <a:rPr lang="ro-RO" sz="2600" dirty="0" err="1">
+                <a:cs typeface="Avenir Medium"/>
+              </a:rPr>
+              <a:t>function</a:t>
+            </a:r>
+            <a:r>
+              <a:rPr lang="ro-RO" sz="2600" dirty="0">
+                <a:cs typeface="Avenir Medium"/>
+              </a:rPr>
+              <a:t>  `</a:t>
+            </a:r>
+            <a:r>
+              <a:rPr lang="ro-RO" sz="2600" dirty="0" err="1">
+                <a:cs typeface="Avenir Medium"/>
+              </a:rPr>
+              <a:t>quos</a:t>
+            </a:r>
+            <a:r>
+              <a:rPr lang="ro-RO" sz="2600" dirty="0">
+                <a:cs typeface="Avenir Medium"/>
+              </a:rPr>
+              <a:t>`</a:t>
+            </a:r>
+          </a:p>
+          <a:p>
+            <a:pPr lvl="1"/>
+            <a:r>
+              <a:rPr lang="ro-RO" sz="2600" dirty="0">
+                <a:cs typeface="Avenir Medium"/>
+              </a:rPr>
+              <a:t>operator `!!!`</a:t>
+            </a:r>
+          </a:p>
+          <a:p>
+            <a:pPr lvl="1"/>
+            <a:r>
+              <a:rPr lang="ro-RO" sz="2600" dirty="0" err="1">
+                <a:cs typeface="Avenir Medium"/>
+              </a:rPr>
+              <a:t>function</a:t>
+            </a:r>
+            <a:r>
+              <a:rPr lang="ro-RO" sz="2600" dirty="0">
+                <a:cs typeface="Avenir Medium"/>
+              </a:rPr>
+              <a:t> `</a:t>
+            </a:r>
+            <a:r>
+              <a:rPr lang="ro-RO" sz="2600" dirty="0" err="1">
+                <a:cs typeface="Avenir Medium"/>
+              </a:rPr>
+              <a:t>rlang</a:t>
+            </a:r>
+            <a:r>
+              <a:rPr lang="ro-RO" sz="2600" dirty="0">
+                <a:cs typeface="Avenir Medium"/>
+              </a:rPr>
+              <a:t>::</a:t>
+            </a:r>
+            <a:r>
+              <a:rPr lang="ro-RO" sz="2600" dirty="0" err="1">
+                <a:cs typeface="Avenir Medium"/>
+              </a:rPr>
+              <a:t>syms</a:t>
+            </a:r>
+            <a:r>
+              <a:rPr lang="ro-RO" sz="2600" dirty="0">
+                <a:cs typeface="Avenir Medium"/>
+              </a:rPr>
+              <a:t>`</a:t>
+            </a:r>
+          </a:p>
+          <a:p>
+            <a:r>
+              <a:rPr lang="ro-RO" sz="3000" dirty="0">
+                <a:cs typeface="Avenir Medium"/>
+              </a:rPr>
+              <a:t>`</a:t>
+            </a:r>
+            <a:r>
+              <a:rPr lang="ro-RO" sz="3000" dirty="0" err="1">
+                <a:cs typeface="Avenir Medium"/>
+              </a:rPr>
+              <a:t>ggplot`and</a:t>
+            </a:r>
+            <a:r>
+              <a:rPr lang="ro-RO" sz="3000" dirty="0">
+                <a:cs typeface="Avenir Medium"/>
+              </a:rPr>
+              <a:t> </a:t>
+            </a:r>
+            <a:r>
+              <a:rPr lang="ro-RO" sz="3000" dirty="0" err="1">
+                <a:cs typeface="Avenir Medium"/>
+              </a:rPr>
+              <a:t>tidy</a:t>
+            </a:r>
+            <a:r>
+              <a:rPr lang="ro-RO" sz="3000" dirty="0">
+                <a:cs typeface="Avenir Medium"/>
+              </a:rPr>
+              <a:t> </a:t>
+            </a:r>
+            <a:r>
+              <a:rPr lang="ro-RO" sz="3000" dirty="0" err="1">
+                <a:cs typeface="Avenir Medium"/>
+              </a:rPr>
+              <a:t>evaluation</a:t>
+            </a:r>
+            <a:endParaRPr lang="ro-RO" sz="3000" dirty="0">
+              <a:cs typeface="Avenir Medium"/>
+            </a:endParaRPr>
+          </a:p>
+        </p:txBody>
+      </p:sp>
+    </p:spTree>
+    <p:extLst>
+      <p:ext uri="{BB962C8B-B14F-4D97-AF65-F5344CB8AC3E}">
+        <p14:creationId xmlns:p14="http://schemas.microsoft.com/office/powerpoint/2010/main" val="3977974482"/>
+      </p:ext>
+    </p:extLst>
+  </p:cSld>
+  <p:clrMapOvr>
+    <a:masterClrMapping/>
+  </p:clrMapOvr>
+  <p:transition>
+    <p:random/>
+  </p:transition>
+</p:sld>
+</file>
+
 <file path=ppt/slides/slide2.xml><?xml version="1.0" encoding="utf-8"?>
 <p:sld xmlns:a="http://schemas.openxmlformats.org/drawingml/2006/main" xmlns:r="http://schemas.openxmlformats.org/officeDocument/2006/relationships" xmlns:p="http://schemas.openxmlformats.org/presentationml/2006/main">
   <p:cSld>
@@ -5949,6 +7851,18 @@
           </a:p>
           <a:p>
             <a:pPr lvl="1"/>
+            <a:r>
+              <a:rPr lang="en" sz="2000" dirty="0">
+                <a:latin typeface="Avenir Medium"/>
+              </a:rPr>
+              <a:t>04d_evaluation__tidy_evaluation.R</a:t>
+            </a:r>
+            <a:endParaRPr lang="ro-RO" sz="2000" dirty="0">
+              <a:latin typeface="Avenir Medium"/>
+            </a:endParaRPr>
+          </a:p>
+          <a:p>
+            <a:pPr lvl="1"/>
             <a:endParaRPr lang="ro-RO" sz="2000" dirty="0">
               <a:latin typeface="Avenir Medium"/>
             </a:endParaRPr>
@@ -7212,18 +9126,16 @@
             <a:r>
               <a:rPr lang="en-US" sz="1800" dirty="0">
                 <a:latin typeface="Avenir Book" charset="0"/>
-                <a:hlinkClick r:id="rId6">
-                  <a:extLst>
-                    <a:ext uri="{A12FA001-AC4F-418D-AE19-62706E023703}">
-                      <ahyp:hlinkClr xmlns:ahyp="http://schemas.microsoft.com/office/drawing/2018/hyperlinkcolor" val="tx"/>
-                    </a:ext>
-                  </a:extLst>
-                </a:hlinkClick>
+                <a:ea typeface="Avenir Book" charset="0"/>
+                <a:cs typeface="Avenir Book" charset="0"/>
+                <a:hlinkClick r:id="rId6"/>
               </a:rPr>
               <a:t>https://www.datacamp.com/community/tutorials/functions-in-r-a-tutorial</a:t>
             </a:r>
             <a:endParaRPr lang="en-US" sz="1800" dirty="0">
               <a:latin typeface="Avenir Book" charset="0"/>
+              <a:ea typeface="Avenir Book" charset="0"/>
+              <a:cs typeface="Avenir Book" charset="0"/>
             </a:endParaRPr>
           </a:p>
           <a:p>
@@ -8322,23 +10234,7 @@
                 <a:ea typeface="Arial Unicode MS" panose="020B0604020202020204" pitchFamily="34" charset="-128"/>
                 <a:cs typeface="Arial Unicode MS" panose="020B0604020202020204" pitchFamily="34" charset="-128"/>
               </a:rPr>
-              <a:t>Programming with `</a:t>
-            </a:r>
-            <a:r>
-              <a:rPr lang="en-US" dirty="0" err="1">
-                <a:latin typeface="Arial Unicode MS" panose="020B0604020202020204" pitchFamily="34" charset="-128"/>
-                <a:ea typeface="Arial Unicode MS" panose="020B0604020202020204" pitchFamily="34" charset="-128"/>
-                <a:cs typeface="Arial Unicode MS" panose="020B0604020202020204" pitchFamily="34" charset="-128"/>
-              </a:rPr>
-              <a:t>dplyr</a:t>
-            </a:r>
-            <a:r>
-              <a:rPr lang="en-US" dirty="0">
-                <a:latin typeface="Arial Unicode MS" panose="020B0604020202020204" pitchFamily="34" charset="-128"/>
-                <a:ea typeface="Arial Unicode MS" panose="020B0604020202020204" pitchFamily="34" charset="-128"/>
-                <a:cs typeface="Arial Unicode MS" panose="020B0604020202020204" pitchFamily="34" charset="-128"/>
-              </a:rPr>
-              <a:t>` (tidy evaluation)</a:t>
+              <a:t>Resources on `tidy evaluation`</a:t>
             </a:r>
             <a:endParaRPr lang="en-US" sz="3600" b="1" dirty="0">
               <a:latin typeface="Arial Unicode MS" panose="020B0604020202020204" pitchFamily="34" charset="-128"/>
@@ -8515,61 +10411,95 @@
               </a:lnSpc>
             </a:pPr>
             <a:r>
-              <a:rPr lang="en-US" dirty="0">
-                <a:latin typeface="Avenir Medium"/>
-              </a:rPr>
-              <a:t> </a:t>
-            </a:r>
-            <a:r>
               <a:rPr lang="en" dirty="0">
                 <a:latin typeface="Avenir Medium"/>
               </a:rPr>
-              <a:t>Programming with </a:t>
-            </a:r>
-            <a:r>
-              <a:rPr lang="en" dirty="0" err="1">
+              <a:t>Tidy evaluation in 5 mins</a:t>
+            </a:r>
+          </a:p>
+          <a:p>
+            <a:pPr marL="82296" indent="0">
+              <a:lnSpc>
+                <a:spcPct val="120000"/>
+              </a:lnSpc>
+              <a:buNone/>
+            </a:pPr>
+            <a:r>
+              <a:rPr lang="ro-RO" dirty="0">
                 <a:latin typeface="Avenir Medium"/>
-              </a:rPr>
-              <a:t>dplyr</a:t>
+                <a:hlinkClick r:id="rId2"/>
+              </a:rPr>
+              <a:t>https://www.youtube.com/watch?v=nERXS3ssntw</a:t>
             </a:r>
             <a:endParaRPr lang="en" dirty="0">
               <a:latin typeface="Avenir Medium"/>
             </a:endParaRPr>
           </a:p>
           <a:p>
+            <a:pPr>
+              <a:lnSpc>
+                <a:spcPct val="120000"/>
+              </a:lnSpc>
+            </a:pPr>
+            <a:r>
+              <a:rPr lang="en" dirty="0">
+                <a:latin typeface="Avenir Medium"/>
+              </a:rPr>
+              <a:t>Tidy </a:t>
+            </a:r>
+            <a:r>
+              <a:rPr lang="en" dirty="0" err="1">
+                <a:latin typeface="Avenir Medium"/>
+              </a:rPr>
+              <a:t>eval</a:t>
+            </a:r>
+            <a:r>
+              <a:rPr lang="en" dirty="0">
+                <a:latin typeface="Avenir Medium"/>
+              </a:rPr>
+              <a:t>: Programming with </a:t>
+            </a:r>
+            <a:r>
+              <a:rPr lang="en" dirty="0" err="1">
+                <a:latin typeface="Avenir Medium"/>
+              </a:rPr>
+              <a:t>dplyr</a:t>
+            </a:r>
+            <a:r>
+              <a:rPr lang="en" dirty="0">
+                <a:latin typeface="Avenir Medium"/>
+              </a:rPr>
+              <a:t>, </a:t>
+            </a:r>
+            <a:r>
+              <a:rPr lang="en" dirty="0" err="1">
+                <a:latin typeface="Avenir Medium"/>
+              </a:rPr>
+              <a:t>tidyr</a:t>
+            </a:r>
+            <a:r>
+              <a:rPr lang="en" dirty="0">
+                <a:latin typeface="Avenir Medium"/>
+              </a:rPr>
+              <a:t>, and ggplot2</a:t>
+            </a:r>
+          </a:p>
+          <a:p>
             <a:pPr marL="82296" indent="0">
               <a:lnSpc>
-                <a:spcPct val="130000"/>
+                <a:spcPct val="120000"/>
               </a:lnSpc>
               <a:buNone/>
             </a:pPr>
             <a:r>
-              <a:rPr lang="en" sz="2600" dirty="0">
-                <a:latin typeface="Avenir Book" charset="0"/>
-              </a:rPr>
-              <a:t> https://</a:t>
-            </a:r>
-            <a:r>
-              <a:rPr lang="en" sz="2600" dirty="0" err="1">
-                <a:latin typeface="Avenir Book" charset="0"/>
-              </a:rPr>
-              <a:t>dplyr.tidyverse.org</a:t>
-            </a:r>
-            <a:r>
-              <a:rPr lang="en" sz="2600" dirty="0">
-                <a:latin typeface="Avenir Book" charset="0"/>
-              </a:rPr>
-              <a:t>/articles/</a:t>
-            </a:r>
-            <a:r>
-              <a:rPr lang="en" sz="2600" dirty="0" err="1">
-                <a:latin typeface="Avenir Book" charset="0"/>
-              </a:rPr>
-              <a:t>programming.html</a:t>
+              <a:rPr lang="en-US" dirty="0">
+                <a:latin typeface="Avenir Medium"/>
+                <a:hlinkClick r:id="rId3"/>
+              </a:rPr>
+              <a:t>https://www.rstudio.com/resources/videos/tidy-eval-programming-with-dplyr-tidyr-and-ggplot2/</a:t>
             </a:r>
             <a:endParaRPr lang="en-US" dirty="0">
               <a:latin typeface="Avenir Medium"/>
-              <a:cs typeface="Avenir Medium"/>
             </a:endParaRPr>
           </a:p>
           <a:p>
@@ -8581,87 +10511,74 @@
             <a:r>
               <a:rPr lang="en-US" dirty="0">
                 <a:latin typeface="Avenir Medium"/>
-                <a:cs typeface="Avenir Medium"/>
-              </a:rPr>
-              <a:t>Programming with </a:t>
+              </a:rPr>
+              <a:t>Tidy </a:t>
             </a:r>
             <a:r>
               <a:rPr lang="en-US" dirty="0" err="1">
                 <a:latin typeface="Avenir Medium"/>
-                <a:cs typeface="Avenir Medium"/>
-              </a:rPr>
-              <a:t>dplyr</a:t>
-            </a:r>
+              </a:rPr>
+              <a:t>Eval</a:t>
+            </a:r>
+            <a:endParaRPr lang="en-US" dirty="0">
+              <a:latin typeface="Avenir Medium"/>
+            </a:endParaRPr>
+          </a:p>
+          <a:p>
+            <a:pPr marL="82296" indent="0">
+              <a:lnSpc>
+                <a:spcPct val="120000"/>
+              </a:lnSpc>
+              <a:buNone/>
+            </a:pPr>
             <a:r>
               <a:rPr lang="en-US" dirty="0">
                 <a:latin typeface="Avenir Medium"/>
-                <a:cs typeface="Avenir Medium"/>
-              </a:rPr>
-              <a:t> by using </a:t>
-            </a:r>
-            <a:r>
-              <a:rPr lang="en-US" dirty="0" err="1">
-                <a:latin typeface="Avenir Medium"/>
-                <a:cs typeface="Avenir Medium"/>
-              </a:rPr>
-              <a:t>dplyr</a:t>
+                <a:hlinkClick r:id="rId4"/>
+              </a:rPr>
+              <a:t>https://www.rstudio.com/resources/webinars/tidy-eval/</a:t>
             </a:r>
             <a:endParaRPr lang="en-US" dirty="0">
               <a:latin typeface="Avenir Medium"/>
-              <a:cs typeface="Avenir Medium"/>
             </a:endParaRPr>
           </a:p>
           <a:p>
             <a:pPr marL="82296" indent="0">
               <a:lnSpc>
-                <a:spcPct val="130000"/>
+                <a:spcPct val="120000"/>
               </a:lnSpc>
               <a:buNone/>
             </a:pPr>
             <a:r>
-              <a:rPr lang="en-US" sz="2600" dirty="0">
-                <a:latin typeface="Avenir Book" charset="0"/>
-                <a:ea typeface="Avenir Book" charset="0"/>
-                <a:cs typeface="Avenir Book" charset="0"/>
-                <a:hlinkClick r:id="rId2"/>
-              </a:rPr>
-              <a:t>https://www.enchufa2.es/archives/programming-with-dplyr-by-using-dplyr.html</a:t>
-            </a:r>
-            <a:endParaRPr lang="en-US" sz="2600" dirty="0">
+              <a:rPr lang="en-US" dirty="0">
+                <a:latin typeface="Avenir Medium"/>
+                <a:hlinkClick r:id="rId5"/>
+              </a:rPr>
+              <a:t>https://schd.ws/hosted_files/user2017/43/tidyeval-user.pdf</a:t>
+            </a:r>
+            <a:endParaRPr lang="en-US" dirty="0">
+              <a:latin typeface="Avenir Medium"/>
+            </a:endParaRPr>
+          </a:p>
+          <a:p>
+            <a:pPr>
+              <a:lnSpc>
+                <a:spcPct val="120000"/>
+              </a:lnSpc>
+            </a:pPr>
+            <a:r>
+              <a:rPr lang="en" dirty="0">
+                <a:latin typeface="Avenir Medium"/>
+              </a:rPr>
+              <a:t>Tidy evaluation, most common actions</a:t>
+            </a:r>
+            <a:endParaRPr lang="en-US" sz="3200" dirty="0">
               <a:latin typeface="Avenir Book" charset="0"/>
               <a:ea typeface="Avenir Book" charset="0"/>
               <a:cs typeface="Avenir Book" charset="0"/>
             </a:endParaRPr>
           </a:p>
           <a:p>
-            <a:pPr>
-              <a:lnSpc>
-                <a:spcPct val="120000"/>
-              </a:lnSpc>
-            </a:pPr>
-            <a:r>
-              <a:rPr lang="en-US" dirty="0">
-                <a:latin typeface="Avenir Medium"/>
-                <a:cs typeface="Avenir Medium"/>
-              </a:rPr>
-              <a:t>Down the rabbit hole with tidy </a:t>
-            </a:r>
-            <a:r>
-              <a:rPr lang="en-US" dirty="0" err="1">
-                <a:latin typeface="Avenir Medium"/>
-                <a:cs typeface="Avenir Medium"/>
-              </a:rPr>
-              <a:t>eval</a:t>
-            </a:r>
-            <a:r>
-              <a:rPr lang="en-US" dirty="0">
-                <a:latin typeface="Avenir Medium"/>
-                <a:cs typeface="Avenir Medium"/>
-              </a:rPr>
-              <a:t> — Part 1</a:t>
-            </a:r>
-          </a:p>
-          <a:p>
             <a:pPr marL="82296" indent="0">
               <a:lnSpc>
                 <a:spcPct val="130000"/>
@@ -8669,179 +10586,139 @@
               <a:buNone/>
             </a:pPr>
             <a:r>
-              <a:rPr lang="en-US" sz="2600" dirty="0">
-                <a:latin typeface="Avenir Book" charset="0"/>
-                <a:ea typeface="Avenir Book" charset="0"/>
-                <a:cs typeface="Avenir Book" charset="0"/>
-              </a:rPr>
-              <a:t> </a:t>
-            </a:r>
-            <a:r>
-              <a:rPr lang="en-US" sz="2600" dirty="0">
-                <a:latin typeface="Avenir Book" charset="0"/>
-                <a:ea typeface="Avenir Book" charset="0"/>
-                <a:cs typeface="Avenir Book" charset="0"/>
-                <a:hlinkClick r:id="rId3"/>
-              </a:rPr>
-              <a:t>http://colinfay.me/tidyeval-1/</a:t>
-            </a:r>
-            <a:endParaRPr lang="en-US" sz="2600" dirty="0">
-              <a:latin typeface="Avenir Book" charset="0"/>
-              <a:ea typeface="Avenir Book" charset="0"/>
-              <a:cs typeface="Avenir Book" charset="0"/>
-            </a:endParaRPr>
-          </a:p>
-          <a:p>
-            <a:pPr>
-              <a:lnSpc>
-                <a:spcPct val="120000"/>
-              </a:lnSpc>
-            </a:pPr>
-            <a:r>
-              <a:rPr lang="en-US" dirty="0" err="1">
-                <a:latin typeface="Avenir Medium"/>
-                <a:cs typeface="Avenir Medium"/>
-              </a:rPr>
-              <a:t>dplyr</a:t>
-            </a:r>
-            <a:r>
-              <a:rPr lang="en-US" dirty="0">
-                <a:latin typeface="Avenir Medium"/>
-                <a:cs typeface="Avenir Medium"/>
-              </a:rPr>
-              <a:t> 0.7.0</a:t>
-            </a:r>
-          </a:p>
-          <a:p>
-            <a:pPr marL="82296" indent="0">
-              <a:lnSpc>
-                <a:spcPct val="130000"/>
-              </a:lnSpc>
-              <a:buNone/>
-            </a:pPr>
-            <a:r>
-              <a:rPr lang="en-US" sz="2600" dirty="0">
-                <a:latin typeface="Avenir Book" charset="0"/>
-                <a:ea typeface="Avenir Book" charset="0"/>
-                <a:cs typeface="Avenir Book" charset="0"/>
-                <a:hlinkClick r:id="rId4"/>
-              </a:rPr>
-              <a:t>https://blog.rstudio.com/2017/06/13/dplyr-0-7-0/</a:t>
-            </a:r>
-            <a:endParaRPr lang="en-US" sz="2600" dirty="0">
-              <a:latin typeface="Avenir Book" charset="0"/>
-              <a:ea typeface="Avenir Book" charset="0"/>
-              <a:cs typeface="Avenir Book" charset="0"/>
-            </a:endParaRPr>
-          </a:p>
-          <a:p>
-            <a:pPr>
-              <a:lnSpc>
-                <a:spcPct val="120000"/>
-              </a:lnSpc>
-            </a:pPr>
-            <a:r>
-              <a:rPr lang="en-US" dirty="0">
-                <a:latin typeface="Avenir Medium"/>
-                <a:cs typeface="Avenir Medium"/>
-              </a:rPr>
-              <a:t>Programming with </a:t>
-            </a:r>
-            <a:r>
-              <a:rPr lang="en-US" dirty="0" err="1">
-                <a:latin typeface="Avenir Medium"/>
-                <a:cs typeface="Avenir Medium"/>
-              </a:rPr>
-              <a:t>dplyr</a:t>
-            </a:r>
-            <a:r>
-              <a:rPr lang="en-US" dirty="0">
-                <a:latin typeface="Avenir Medium"/>
-                <a:cs typeface="Avenir Medium"/>
-              </a:rPr>
-              <a:t> </a:t>
-            </a:r>
-          </a:p>
-          <a:p>
-            <a:pPr marL="82296" indent="0">
-              <a:lnSpc>
-                <a:spcPct val="120000"/>
-              </a:lnSpc>
-              <a:buNone/>
-            </a:pPr>
-            <a:r>
-              <a:rPr lang="en-US" sz="2600" dirty="0">
-                <a:latin typeface="Avenir Book" charset="0"/>
-                <a:ea typeface="Avenir Book" charset="0"/>
-                <a:cs typeface="Avenir Book" charset="0"/>
-                <a:hlinkClick r:id="rId5"/>
-              </a:rPr>
-              <a:t>https://cran.r-project.org/web/packages/dplyr/vignettes/programming.html</a:t>
-            </a:r>
-            <a:endParaRPr lang="en-US" sz="2600" dirty="0">
-              <a:latin typeface="Avenir Book" charset="0"/>
-              <a:ea typeface="Avenir Book" charset="0"/>
-              <a:cs typeface="Avenir Book" charset="0"/>
-            </a:endParaRPr>
-          </a:p>
-          <a:p>
-            <a:pPr>
-              <a:lnSpc>
-                <a:spcPct val="120000"/>
-              </a:lnSpc>
-            </a:pPr>
-            <a:r>
-              <a:rPr lang="en-US" dirty="0">
-                <a:latin typeface="Avenir Medium"/>
-                <a:cs typeface="Avenir Medium"/>
-              </a:rPr>
-              <a:t>Programming with </a:t>
-            </a:r>
-            <a:r>
-              <a:rPr lang="en-US" dirty="0" err="1">
-                <a:latin typeface="Avenir Medium"/>
-                <a:cs typeface="Avenir Medium"/>
-              </a:rPr>
-              <a:t>dplyr</a:t>
-            </a:r>
-            <a:endParaRPr lang="en-US" dirty="0">
-              <a:latin typeface="Avenir Medium"/>
-              <a:cs typeface="Avenir Medium"/>
-            </a:endParaRPr>
-          </a:p>
-          <a:p>
-            <a:pPr marL="82296" indent="0">
-              <a:lnSpc>
-                <a:spcPct val="130000"/>
-              </a:lnSpc>
-              <a:buNone/>
-            </a:pPr>
-            <a:r>
-              <a:rPr lang="en-US" sz="2600" dirty="0">
+              <a:rPr lang="en-US" sz="3200" dirty="0">
                 <a:latin typeface="Avenir Book" charset="0"/>
                 <a:ea typeface="Avenir Book" charset="0"/>
                 <a:cs typeface="Avenir Book" charset="0"/>
                 <a:hlinkClick r:id="rId6"/>
               </a:rPr>
-              <a:t>http://rpubs.com/lionel-/programming-draft</a:t>
-            </a:r>
-            <a:endParaRPr lang="en-US" sz="2600" dirty="0">
+              <a:t>https://edwinth.github.io/blog/dplyr-recipes/</a:t>
+            </a:r>
+            <a:endParaRPr lang="ro-RO" dirty="0">
+              <a:latin typeface="Avenir Medium"/>
+            </a:endParaRPr>
+          </a:p>
+          <a:p>
+            <a:pPr>
+              <a:lnSpc>
+                <a:spcPct val="120000"/>
+              </a:lnSpc>
+            </a:pPr>
+            <a:r>
+              <a:rPr lang="ro-RO" dirty="0" err="1">
+                <a:latin typeface="Avenir Medium"/>
+              </a:rPr>
+              <a:t>Hadley</a:t>
+            </a:r>
+            <a:r>
+              <a:rPr lang="ro-RO" dirty="0">
+                <a:latin typeface="Avenir Medium"/>
+              </a:rPr>
+              <a:t> </a:t>
+            </a:r>
+            <a:r>
+              <a:rPr lang="ro-RO" dirty="0" err="1">
+                <a:latin typeface="Avenir Medium"/>
+              </a:rPr>
+              <a:t>Wickham</a:t>
+            </a:r>
+            <a:r>
+              <a:rPr lang="ro-RO" dirty="0">
+                <a:latin typeface="Avenir Medium"/>
+              </a:rPr>
+              <a:t> - </a:t>
+            </a:r>
+            <a:r>
+              <a:rPr lang="ro-RO" dirty="0" err="1">
+                <a:latin typeface="Avenir Medium"/>
+              </a:rPr>
+              <a:t>Advanced</a:t>
+            </a:r>
+            <a:r>
+              <a:rPr lang="ro-RO" dirty="0">
+                <a:latin typeface="Avenir Medium"/>
+              </a:rPr>
+              <a:t> R, CRC Press, (</a:t>
+            </a:r>
+            <a:r>
+              <a:rPr lang="ro-RO" dirty="0" err="1">
+                <a:latin typeface="Avenir Medium"/>
+              </a:rPr>
+              <a:t>section</a:t>
+            </a:r>
+            <a:r>
+              <a:rPr lang="ro-RO" dirty="0">
+                <a:latin typeface="Avenir Medium"/>
+              </a:rPr>
+              <a:t> </a:t>
+            </a:r>
+            <a:r>
+              <a:rPr lang="ro-RO" b="1" dirty="0">
+                <a:latin typeface="Avenir Medium"/>
+              </a:rPr>
+              <a:t>IV </a:t>
+            </a:r>
+            <a:r>
+              <a:rPr lang="ro-RO" b="1" dirty="0" err="1">
+                <a:latin typeface="Avenir Medium"/>
+              </a:rPr>
+              <a:t>Metaprogramming</a:t>
+            </a:r>
+            <a:r>
+              <a:rPr lang="ro-RO" dirty="0">
+                <a:latin typeface="Avenir Medium"/>
+              </a:rPr>
+              <a:t>) </a:t>
+            </a:r>
+          </a:p>
+          <a:p>
+            <a:pPr marL="82296" indent="0">
+              <a:lnSpc>
+                <a:spcPct val="120000"/>
+              </a:lnSpc>
+              <a:buNone/>
+            </a:pPr>
+            <a:r>
+              <a:rPr lang="ro-RO" dirty="0">
+                <a:latin typeface="Avenir Medium"/>
+                <a:hlinkClick r:id="rId7"/>
+              </a:rPr>
+              <a:t>https://adv-r.hadley.nz/meta.html</a:t>
+            </a:r>
+            <a:endParaRPr lang="en" dirty="0">
+              <a:latin typeface="Avenir Medium"/>
+            </a:endParaRPr>
+          </a:p>
+          <a:p>
+            <a:pPr>
+              <a:lnSpc>
+                <a:spcPct val="120000"/>
+              </a:lnSpc>
+            </a:pPr>
+            <a:endParaRPr lang="en" sz="3200" dirty="0">
               <a:latin typeface="Avenir Book" charset="0"/>
-              <a:ea typeface="Avenir Book" charset="0"/>
-              <a:cs typeface="Avenir Book" charset="0"/>
             </a:endParaRPr>
           </a:p>
           <a:p>
             <a:pPr marL="82296" indent="0">
               <a:lnSpc>
-                <a:spcPct val="130000"/>
+                <a:spcPct val="120000"/>
               </a:lnSpc>
               <a:buNone/>
             </a:pPr>
-            <a:endParaRPr lang="en-US" sz="2600" dirty="0">
-              <a:latin typeface="Avenir Book" charset="0"/>
-              <a:ea typeface="Avenir Book" charset="0"/>
-              <a:cs typeface="Avenir Book" charset="0"/>
+            <a:endParaRPr lang="ro-RO" dirty="0">
+              <a:latin typeface="Avenir Medium"/>
+            </a:endParaRPr>
+          </a:p>
+          <a:p>
+            <a:pPr marL="82296" indent="0">
+              <a:lnSpc>
+                <a:spcPct val="120000"/>
+              </a:lnSpc>
+              <a:buNone/>
+            </a:pPr>
+            <a:endParaRPr lang="en" dirty="0">
+              <a:latin typeface="Avenir Medium"/>
             </a:endParaRPr>
           </a:p>
         </p:txBody>

--- a/04 Basic Programming/04_Programming_UDFs_eval_tidyeval.pptx
+++ b/04 Basic Programming/04_Programming_UDFs_eval_tidyeval.pptx
@@ -275,7 +275,7 @@
           <a:p>
             <a:fld id="{91907C35-CCAF-F946-8963-0B9E8E98E716}" type="datetimeFigureOut">
               <a:rPr lang="en-US" smtClean="0"/>
-              <a:t>11/27/18</a:t>
+              <a:t>1/7/19</a:t>
             </a:fld>
             <a:endParaRPr lang="en-US"/>
           </a:p>
@@ -4872,8 +4872,8 @@
         </p:nvSpPr>
         <p:spPr>
           <a:xfrm>
-            <a:off x="762000" y="2057400"/>
-            <a:ext cx="8458200" cy="2209800"/>
+            <a:off x="762000" y="1524000"/>
+            <a:ext cx="8458200" cy="2743200"/>
           </a:xfrm>
         </p:spPr>
         <p:txBody>
@@ -4886,20 +4886,39 @@
               <a:defRPr/>
             </a:pPr>
             <a:r>
-              <a:rPr lang="en-US" sz="5400" b="1" dirty="0">
+              <a:rPr lang="en-US" sz="4800" dirty="0">
                 <a:latin typeface="Calisto MT" pitchFamily="18" charset="0"/>
                 <a:ea typeface="Batang" pitchFamily="18" charset="-127"/>
               </a:rPr>
-              <a:t>Data Analysis &amp; </a:t>
-            </a:r>
-            <a:r>
-              <a:rPr lang="en-US" sz="5400" b="1">
+              <a:t>Data </a:t>
+            </a:r>
+            <a:br>
+              <a:rPr lang="en-US" sz="4800" dirty="0">
                 <a:latin typeface="Calisto MT" pitchFamily="18" charset="0"/>
                 <a:ea typeface="Batang" pitchFamily="18" charset="-127"/>
               </a:rPr>
-              <a:t>Data Science with R</a:t>
-            </a:r>
-            <a:endParaRPr sz="5400" b="1" dirty="0">
+            </a:br>
+            <a:r>
+              <a:rPr lang="en-US" sz="4800" dirty="0">
+                <a:latin typeface="Calisto MT" pitchFamily="18" charset="0"/>
+                <a:ea typeface="Batang" pitchFamily="18" charset="-127"/>
+              </a:rPr>
+              <a:t>Processing/Analysis/Science </a:t>
+            </a:r>
+            <a:br>
+              <a:rPr lang="en-US" sz="4800" dirty="0">
+                <a:latin typeface="Calisto MT" pitchFamily="18" charset="0"/>
+                <a:ea typeface="Batang" pitchFamily="18" charset="-127"/>
+              </a:rPr>
+            </a:br>
+            <a:r>
+              <a:rPr lang="en-US" sz="4800" dirty="0">
+                <a:latin typeface="Calisto MT" pitchFamily="18" charset="0"/>
+                <a:ea typeface="Batang" pitchFamily="18" charset="-127"/>
+              </a:rPr>
+              <a:t>with R</a:t>
+            </a:r>
+            <a:endParaRPr sz="4800" b="1" dirty="0">
               <a:latin typeface="Calisto MT" pitchFamily="18" charset="0"/>
               <a:ea typeface="Batang" pitchFamily="18" charset="-127"/>
             </a:endParaRPr>
